--- a/presentation/Pattern Extraction4.pptx
+++ b/presentation/Pattern Extraction4.pptx
@@ -6,7 +6,7 @@
     <p:sldMasterId id="2147483711" r:id="rId2"/>
   </p:sldMasterIdLst>
   <p:notesMasterIdLst>
-    <p:notesMasterId r:id="rId13"/>
+    <p:notesMasterId r:id="rId16"/>
   </p:notesMasterIdLst>
   <p:sldIdLst>
     <p:sldId id="256" r:id="rId3"/>
@@ -16,9 +16,12 @@
     <p:sldId id="292" r:id="rId7"/>
     <p:sldId id="289" r:id="rId8"/>
     <p:sldId id="295" r:id="rId9"/>
-    <p:sldId id="294" r:id="rId10"/>
-    <p:sldId id="293" r:id="rId11"/>
-    <p:sldId id="285" r:id="rId12"/>
+    <p:sldId id="299" r:id="rId10"/>
+    <p:sldId id="298" r:id="rId11"/>
+    <p:sldId id="300" r:id="rId12"/>
+    <p:sldId id="296" r:id="rId13"/>
+    <p:sldId id="301" r:id="rId14"/>
+    <p:sldId id="285" r:id="rId15"/>
   </p:sldIdLst>
   <p:sldSz cx="12192000" cy="6858000"/>
   <p:notesSz cx="6858000" cy="9144000"/>
@@ -126,238 +129,6 @@
 </file>
 
 <file path=ppt/charts/chart1.xml><?xml version="1.0" encoding="utf-8"?>
-<c:chartSpace xmlns:c="http://schemas.openxmlformats.org/drawingml/2006/chart" xmlns:a="http://schemas.openxmlformats.org/drawingml/2006/main" xmlns:r="http://schemas.openxmlformats.org/officeDocument/2006/relationships">
-  <c:date1904 val="0"/>
-  <c:lang val="fr-FR"/>
-  <c:roundedCorners val="0"/>
-  <mc:AlternateContent xmlns:mc="http://schemas.openxmlformats.org/markup-compatibility/2006">
-    <mc:Choice xmlns:c14="http://schemas.microsoft.com/office/drawing/2007/8/2/chart" Requires="c14">
-      <c14:style val="102"/>
-    </mc:Choice>
-    <mc:Fallback>
-      <c:style val="2"/>
-    </mc:Fallback>
-  </mc:AlternateContent>
-  <c:chart>
-    <c:title>
-      <c:tx>
-        <c:rich>
-          <a:bodyPr rot="0" spcFirstLastPara="1" vertOverflow="ellipsis" vert="horz" wrap="square" anchor="ctr" anchorCtr="1"/>
-          <a:lstStyle/>
-          <a:p>
-            <a:pPr>
-              <a:defRPr sz="1862" b="0" i="0" u="none" strike="noStrike" kern="1200" spc="0" baseline="0">
-                <a:solidFill>
-                  <a:schemeClr val="tx1">
-                    <a:lumMod val="65000"/>
-                    <a:lumOff val="35000"/>
-                  </a:schemeClr>
-                </a:solidFill>
-                <a:latin typeface="+mn-lt"/>
-                <a:ea typeface="+mn-ea"/>
-                <a:cs typeface="+mn-cs"/>
-              </a:defRPr>
-            </a:pPr>
-            <a:r>
-              <a:rPr lang="en-US" sz="1200" dirty="0"/>
-              <a:t>Progression</a:t>
-            </a:r>
-            <a:endParaRPr lang="en-US" dirty="0"/>
-          </a:p>
-        </c:rich>
-      </c:tx>
-      <c:layout/>
-      <c:overlay val="0"/>
-      <c:spPr>
-        <a:noFill/>
-        <a:ln>
-          <a:noFill/>
-        </a:ln>
-        <a:effectLst/>
-      </c:spPr>
-      <c:txPr>
-        <a:bodyPr rot="0" spcFirstLastPara="1" vertOverflow="ellipsis" vert="horz" wrap="square" anchor="ctr" anchorCtr="1"/>
-        <a:lstStyle/>
-        <a:p>
-          <a:pPr>
-            <a:defRPr sz="1862" b="0" i="0" u="none" strike="noStrike" kern="1200" spc="0" baseline="0">
-              <a:solidFill>
-                <a:schemeClr val="tx1">
-                  <a:lumMod val="65000"/>
-                  <a:lumOff val="35000"/>
-                </a:schemeClr>
-              </a:solidFill>
-              <a:latin typeface="+mn-lt"/>
-              <a:ea typeface="+mn-ea"/>
-              <a:cs typeface="+mn-cs"/>
-            </a:defRPr>
-          </a:pPr>
-          <a:endParaRPr lang="fr-FR"/>
-        </a:p>
-      </c:txPr>
-    </c:title>
-    <c:autoTitleDeleted val="0"/>
-    <c:plotArea>
-      <c:layout/>
-      <c:pieChart>
-        <c:varyColors val="1"/>
-        <c:ser>
-          <c:idx val="0"/>
-          <c:order val="0"/>
-          <c:tx>
-            <c:strRef>
-              <c:f>Feuil1!$B$1</c:f>
-              <c:strCache>
-                <c:ptCount val="1"/>
-                <c:pt idx="0">
-                  <c:v>Progression</c:v>
-                </c:pt>
-              </c:strCache>
-            </c:strRef>
-          </c:tx>
-          <c:explosion val="1"/>
-          <c:dPt>
-            <c:idx val="0"/>
-            <c:bubble3D val="0"/>
-            <c:spPr>
-              <a:solidFill>
-                <a:schemeClr val="accent5">
-                  <a:lumMod val="60000"/>
-                  <a:lumOff val="40000"/>
-                </a:schemeClr>
-              </a:solidFill>
-              <a:ln w="19050">
-                <a:solidFill>
-                  <a:schemeClr val="lt1"/>
-                </a:solidFill>
-              </a:ln>
-              <a:effectLst/>
-            </c:spPr>
-          </c:dPt>
-          <c:dPt>
-            <c:idx val="1"/>
-            <c:bubble3D val="0"/>
-            <c:spPr>
-              <a:solidFill>
-                <a:srgbClr val="FF6969"/>
-              </a:solidFill>
-              <a:ln w="19050">
-                <a:solidFill>
-                  <a:schemeClr val="lt1"/>
-                </a:solidFill>
-              </a:ln>
-              <a:effectLst/>
-            </c:spPr>
-          </c:dPt>
-          <c:cat>
-            <c:strRef>
-              <c:f>Feuil1!$A$2:$A$3</c:f>
-              <c:strCache>
-                <c:ptCount val="2"/>
-                <c:pt idx="0">
-                  <c:v>Done</c:v>
-                </c:pt>
-                <c:pt idx="1">
-                  <c:v>To do</c:v>
-                </c:pt>
-              </c:strCache>
-            </c:strRef>
-          </c:cat>
-          <c:val>
-            <c:numRef>
-              <c:f>Feuil1!$B$2:$B$3</c:f>
-              <c:numCache>
-                <c:formatCode>General</c:formatCode>
-                <c:ptCount val="2"/>
-                <c:pt idx="0">
-                  <c:v>0.75</c:v>
-                </c:pt>
-                <c:pt idx="1">
-                  <c:v>0.25</c:v>
-                </c:pt>
-              </c:numCache>
-            </c:numRef>
-          </c:val>
-        </c:ser>
-        <c:dLbls>
-          <c:showLegendKey val="0"/>
-          <c:showVal val="0"/>
-          <c:showCatName val="0"/>
-          <c:showSerName val="0"/>
-          <c:showPercent val="0"/>
-          <c:showBubbleSize val="0"/>
-          <c:showLeaderLines val="1"/>
-        </c:dLbls>
-        <c:firstSliceAng val="0"/>
-      </c:pieChart>
-      <c:spPr>
-        <a:noFill/>
-        <a:ln>
-          <a:noFill/>
-        </a:ln>
-        <a:effectLst/>
-      </c:spPr>
-    </c:plotArea>
-    <c:legend>
-      <c:legendPos val="b"/>
-      <c:layout/>
-      <c:overlay val="0"/>
-      <c:spPr>
-        <a:noFill/>
-        <a:ln>
-          <a:noFill/>
-        </a:ln>
-        <a:effectLst/>
-      </c:spPr>
-      <c:txPr>
-        <a:bodyPr rot="0" spcFirstLastPara="1" vertOverflow="ellipsis" vert="horz" wrap="square" anchor="ctr" anchorCtr="1"/>
-        <a:lstStyle/>
-        <a:p>
-          <a:pPr>
-            <a:defRPr sz="1197" b="0" i="0" u="none" strike="noStrike" kern="1200" baseline="0">
-              <a:solidFill>
-                <a:schemeClr val="tx1">
-                  <a:lumMod val="65000"/>
-                  <a:lumOff val="35000"/>
-                </a:schemeClr>
-              </a:solidFill>
-              <a:latin typeface="+mn-lt"/>
-              <a:ea typeface="+mn-ea"/>
-              <a:cs typeface="+mn-cs"/>
-            </a:defRPr>
-          </a:pPr>
-          <a:endParaRPr lang="fr-FR"/>
-        </a:p>
-      </c:txPr>
-    </c:legend>
-    <c:plotVisOnly val="1"/>
-    <c:dispBlanksAs val="gap"/>
-    <c:showDLblsOverMax val="0"/>
-  </c:chart>
-  <c:spPr>
-    <a:noFill/>
-    <a:ln>
-      <a:noFill/>
-    </a:ln>
-    <a:effectLst/>
-  </c:spPr>
-  <c:txPr>
-    <a:bodyPr/>
-    <a:lstStyle/>
-    <a:p>
-      <a:pPr>
-        <a:defRPr/>
-      </a:pPr>
-      <a:endParaRPr lang="fr-FR"/>
-    </a:p>
-  </c:txPr>
-  <c:externalData r:id="rId3">
-    <c:autoUpdate val="0"/>
-  </c:externalData>
-</c:chartSpace>
-</file>
-
-<file path=ppt/charts/chart2.xml><?xml version="1.0" encoding="utf-8"?>
 <c:chartSpace xmlns:c="http://schemas.openxmlformats.org/drawingml/2006/chart" xmlns:a="http://schemas.openxmlformats.org/drawingml/2006/main" xmlns:r="http://schemas.openxmlformats.org/officeDocument/2006/relationships">
   <c:date1904 val="0"/>
   <c:lang val="fr-FR"/>
@@ -520,13 +291,275 @@
                 <c:formatCode>General</c:formatCode>
                 <c:ptCount val="3"/>
                 <c:pt idx="0">
-                  <c:v>0.5</c:v>
+                  <c:v>0.875</c:v>
                 </c:pt>
                 <c:pt idx="1">
-                  <c:v>0.375</c:v>
+                  <c:v>0</c:v>
                 </c:pt>
                 <c:pt idx="2">
                   <c:v>0.125</c:v>
+                </c:pt>
+              </c:numCache>
+            </c:numRef>
+          </c:val>
+        </c:ser>
+        <c:dLbls>
+          <c:showLegendKey val="0"/>
+          <c:showVal val="0"/>
+          <c:showCatName val="0"/>
+          <c:showSerName val="0"/>
+          <c:showPercent val="0"/>
+          <c:showBubbleSize val="0"/>
+          <c:showLeaderLines val="1"/>
+        </c:dLbls>
+        <c:firstSliceAng val="0"/>
+      </c:pieChart>
+      <c:spPr>
+        <a:noFill/>
+        <a:ln>
+          <a:noFill/>
+        </a:ln>
+        <a:effectLst/>
+      </c:spPr>
+    </c:plotArea>
+    <c:legend>
+      <c:legendPos val="b"/>
+      <c:layout>
+        <c:manualLayout>
+          <c:xMode val="edge"/>
+          <c:yMode val="edge"/>
+          <c:x val="0.26216522173389767"/>
+          <c:y val="0.8203241660382995"/>
+          <c:w val="0.50868833758887066"/>
+          <c:h val="0.13256095377290369"/>
+        </c:manualLayout>
+      </c:layout>
+      <c:overlay val="0"/>
+      <c:spPr>
+        <a:noFill/>
+        <a:ln>
+          <a:noFill/>
+        </a:ln>
+        <a:effectLst/>
+      </c:spPr>
+      <c:txPr>
+        <a:bodyPr rot="0" spcFirstLastPara="1" vertOverflow="ellipsis" vert="horz" wrap="square" anchor="ctr" anchorCtr="1"/>
+        <a:lstStyle/>
+        <a:p>
+          <a:pPr>
+            <a:defRPr sz="1197" b="0" i="0" u="none" strike="noStrike" kern="1200" baseline="0">
+              <a:solidFill>
+                <a:schemeClr val="tx1">
+                  <a:lumMod val="65000"/>
+                  <a:lumOff val="35000"/>
+                </a:schemeClr>
+              </a:solidFill>
+              <a:latin typeface="+mn-lt"/>
+              <a:ea typeface="+mn-ea"/>
+              <a:cs typeface="+mn-cs"/>
+            </a:defRPr>
+          </a:pPr>
+          <a:endParaRPr lang="fr-FR"/>
+        </a:p>
+      </c:txPr>
+    </c:legend>
+    <c:plotVisOnly val="1"/>
+    <c:dispBlanksAs val="gap"/>
+    <c:showDLblsOverMax val="0"/>
+  </c:chart>
+  <c:spPr>
+    <a:noFill/>
+    <a:ln>
+      <a:noFill/>
+    </a:ln>
+    <a:effectLst/>
+  </c:spPr>
+  <c:txPr>
+    <a:bodyPr/>
+    <a:lstStyle/>
+    <a:p>
+      <a:pPr>
+        <a:defRPr/>
+      </a:pPr>
+      <a:endParaRPr lang="fr-FR"/>
+    </a:p>
+  </c:txPr>
+  <c:externalData r:id="rId3">
+    <c:autoUpdate val="0"/>
+  </c:externalData>
+</c:chartSpace>
+</file>
+
+<file path=ppt/charts/chart2.xml><?xml version="1.0" encoding="utf-8"?>
+<c:chartSpace xmlns:c="http://schemas.openxmlformats.org/drawingml/2006/chart" xmlns:a="http://schemas.openxmlformats.org/drawingml/2006/main" xmlns:r="http://schemas.openxmlformats.org/officeDocument/2006/relationships">
+  <c:date1904 val="0"/>
+  <c:lang val="fr-FR"/>
+  <c:roundedCorners val="0"/>
+  <mc:AlternateContent xmlns:mc="http://schemas.openxmlformats.org/markup-compatibility/2006">
+    <mc:Choice xmlns:c14="http://schemas.microsoft.com/office/drawing/2007/8/2/chart" Requires="c14">
+      <c14:style val="102"/>
+    </mc:Choice>
+    <mc:Fallback>
+      <c:style val="2"/>
+    </mc:Fallback>
+  </mc:AlternateContent>
+  <c:chart>
+    <c:title>
+      <c:tx>
+        <c:rich>
+          <a:bodyPr rot="0" spcFirstLastPara="1" vertOverflow="ellipsis" vert="horz" wrap="square" anchor="ctr" anchorCtr="1"/>
+          <a:lstStyle/>
+          <a:p>
+            <a:pPr>
+              <a:defRPr sz="1862" b="0" i="0" u="none" strike="noStrike" kern="1200" spc="0" baseline="0">
+                <a:solidFill>
+                  <a:schemeClr val="tx1">
+                    <a:lumMod val="65000"/>
+                    <a:lumOff val="35000"/>
+                  </a:schemeClr>
+                </a:solidFill>
+                <a:latin typeface="+mn-lt"/>
+                <a:ea typeface="+mn-ea"/>
+                <a:cs typeface="+mn-cs"/>
+              </a:defRPr>
+            </a:pPr>
+            <a:r>
+              <a:rPr lang="en-US" sz="1200" dirty="0"/>
+              <a:t>Progression</a:t>
+            </a:r>
+          </a:p>
+        </c:rich>
+      </c:tx>
+      <c:layout/>
+      <c:overlay val="0"/>
+      <c:spPr>
+        <a:noFill/>
+        <a:ln>
+          <a:noFill/>
+        </a:ln>
+        <a:effectLst/>
+      </c:spPr>
+      <c:txPr>
+        <a:bodyPr rot="0" spcFirstLastPara="1" vertOverflow="ellipsis" vert="horz" wrap="square" anchor="ctr" anchorCtr="1"/>
+        <a:lstStyle/>
+        <a:p>
+          <a:pPr>
+            <a:defRPr sz="1862" b="0" i="0" u="none" strike="noStrike" kern="1200" spc="0" baseline="0">
+              <a:solidFill>
+                <a:schemeClr val="tx1">
+                  <a:lumMod val="65000"/>
+                  <a:lumOff val="35000"/>
+                </a:schemeClr>
+              </a:solidFill>
+              <a:latin typeface="+mn-lt"/>
+              <a:ea typeface="+mn-ea"/>
+              <a:cs typeface="+mn-cs"/>
+            </a:defRPr>
+          </a:pPr>
+          <a:endParaRPr lang="fr-FR"/>
+        </a:p>
+      </c:txPr>
+    </c:title>
+    <c:autoTitleDeleted val="0"/>
+    <c:plotArea>
+      <c:layout/>
+      <c:pieChart>
+        <c:varyColors val="1"/>
+        <c:ser>
+          <c:idx val="0"/>
+          <c:order val="0"/>
+          <c:tx>
+            <c:strRef>
+              <c:f>Feuil1!$B$1</c:f>
+              <c:strCache>
+                <c:ptCount val="1"/>
+                <c:pt idx="0">
+                  <c:v>Progression</c:v>
+                </c:pt>
+              </c:strCache>
+            </c:strRef>
+          </c:tx>
+          <c:dPt>
+            <c:idx val="0"/>
+            <c:bubble3D val="0"/>
+            <c:spPr>
+              <a:solidFill>
+                <a:schemeClr val="accent5">
+                  <a:lumMod val="60000"/>
+                  <a:lumOff val="40000"/>
+                </a:schemeClr>
+              </a:solidFill>
+              <a:ln w="19050">
+                <a:solidFill>
+                  <a:schemeClr val="lt1"/>
+                </a:solidFill>
+              </a:ln>
+              <a:effectLst/>
+            </c:spPr>
+          </c:dPt>
+          <c:dPt>
+            <c:idx val="1"/>
+            <c:bubble3D val="0"/>
+            <c:spPr>
+              <a:solidFill>
+                <a:srgbClr val="FF6969"/>
+              </a:solidFill>
+              <a:ln w="19050">
+                <a:solidFill>
+                  <a:schemeClr val="lt1"/>
+                </a:solidFill>
+              </a:ln>
+              <a:effectLst/>
+            </c:spPr>
+          </c:dPt>
+          <c:dPt>
+            <c:idx val="2"/>
+            <c:bubble3D val="0"/>
+            <c:spPr>
+              <a:solidFill>
+                <a:schemeClr val="bg1">
+                  <a:lumMod val="75000"/>
+                </a:schemeClr>
+              </a:solidFill>
+              <a:ln w="19050">
+                <a:solidFill>
+                  <a:schemeClr val="lt1"/>
+                </a:solidFill>
+              </a:ln>
+              <a:effectLst/>
+            </c:spPr>
+          </c:dPt>
+          <c:cat>
+            <c:strRef>
+              <c:f>Feuil1!$A$2:$A$4</c:f>
+              <c:strCache>
+                <c:ptCount val="3"/>
+                <c:pt idx="0">
+                  <c:v>Done</c:v>
+                </c:pt>
+                <c:pt idx="1">
+                  <c:v>To do</c:v>
+                </c:pt>
+                <c:pt idx="2">
+                  <c:v>Incertitude</c:v>
+                </c:pt>
+              </c:strCache>
+            </c:strRef>
+          </c:cat>
+          <c:val>
+            <c:numRef>
+              <c:f>Feuil1!$B$2:$B$4</c:f>
+              <c:numCache>
+                <c:formatCode>General</c:formatCode>
+                <c:ptCount val="3"/>
+                <c:pt idx="0">
+                  <c:v>0.875</c:v>
+                </c:pt>
+                <c:pt idx="1">
+                  <c:v>0.125</c:v>
+                </c:pt>
+                <c:pt idx="2">
+                  <c:v>0</c:v>
                 </c:pt>
               </c:numCache>
             </c:numRef>
@@ -11464,6 +11497,1218 @@
           <a:lstStyle/>
           <a:p>
             <a:r>
+              <a:rPr lang="fr-CH" dirty="0" err="1" smtClean="0"/>
+              <a:t>Optional</a:t>
+            </a:r>
+            <a:r>
+              <a:rPr lang="fr-CH" dirty="0" smtClean="0"/>
+              <a:t> </a:t>
+            </a:r>
+            <a:r>
+              <a:rPr lang="fr-CH" dirty="0" err="1" smtClean="0"/>
+              <a:t>chaining</a:t>
+            </a:r>
+            <a:endParaRPr lang="fr-CH" dirty="0"/>
+          </a:p>
+        </p:txBody>
+      </p:sp>
+      <p:sp>
+        <p:nvSpPr>
+          <p:cNvPr id="4" name="Espace réservé du numéro de diapositive 3"/>
+          <p:cNvSpPr>
+            <a:spLocks noGrp="1"/>
+          </p:cNvSpPr>
+          <p:nvPr>
+            <p:ph type="sldNum" sz="quarter" idx="12"/>
+          </p:nvPr>
+        </p:nvSpPr>
+        <p:spPr/>
+        <p:txBody>
+          <a:bodyPr/>
+          <a:lstStyle/>
+          <a:p>
+            <a:fld id="{F60449C3-8BCD-4455-8E2A-A866209B9601}" type="slidenum">
+              <a:rPr lang="fr-CH" smtClean="0"/>
+              <a:t>10</a:t>
+            </a:fld>
+            <a:endParaRPr lang="fr-CH"/>
+          </a:p>
+        </p:txBody>
+      </p:sp>
+      <p:sp>
+        <p:nvSpPr>
+          <p:cNvPr id="5" name="Rectangle 4"/>
+          <p:cNvSpPr/>
+          <p:nvPr/>
+        </p:nvSpPr>
+        <p:spPr>
+          <a:xfrm>
+            <a:off x="2454875" y="2761577"/>
+            <a:ext cx="7274011" cy="1323439"/>
+          </a:xfrm>
+          <a:prstGeom prst="rect">
+            <a:avLst/>
+          </a:prstGeom>
+        </p:spPr>
+        <p:txBody>
+          <a:bodyPr wrap="square">
+            <a:spAutoFit/>
+          </a:bodyPr>
+          <a:lstStyle/>
+          <a:p>
+            <a:r>
+              <a:rPr lang="fr-CH" sz="2000" dirty="0" smtClean="0">
+                <a:solidFill>
+                  <a:srgbClr val="ED0303"/>
+                </a:solidFill>
+                <a:latin typeface="Consolas" panose="020B0609020204030204" pitchFamily="49" charset="0"/>
+              </a:rPr>
+              <a:t>let</a:t>
+            </a:r>
+            <a:r>
+              <a:rPr lang="fr-CH" sz="2000" dirty="0" smtClean="0">
+                <a:latin typeface="Consolas" panose="020B0609020204030204" pitchFamily="49" charset="0"/>
+              </a:rPr>
+              <a:t> </a:t>
+            </a:r>
+            <a:r>
+              <a:rPr lang="fr-CH" sz="2000" dirty="0" err="1">
+                <a:latin typeface="Consolas" panose="020B0609020204030204" pitchFamily="49" charset="0"/>
+              </a:rPr>
+              <a:t>john</a:t>
+            </a:r>
+            <a:r>
+              <a:rPr lang="fr-CH" sz="2000" dirty="0">
+                <a:latin typeface="Consolas" panose="020B0609020204030204" pitchFamily="49" charset="0"/>
+              </a:rPr>
+              <a:t> </a:t>
+            </a:r>
+            <a:r>
+              <a:rPr lang="fr-CH" sz="2000" dirty="0">
+                <a:solidFill>
+                  <a:srgbClr val="ED0303"/>
+                </a:solidFill>
+                <a:latin typeface="Consolas" panose="020B0609020204030204" pitchFamily="49" charset="0"/>
+              </a:rPr>
+              <a:t>=</a:t>
+            </a:r>
+            <a:r>
+              <a:rPr lang="fr-CH" sz="2000" dirty="0">
+                <a:latin typeface="Consolas" panose="020B0609020204030204" pitchFamily="49" charset="0"/>
+              </a:rPr>
+              <a:t> </a:t>
+            </a:r>
+            <a:r>
+              <a:rPr lang="fr-CH" sz="2000" dirty="0">
+                <a:solidFill>
+                  <a:srgbClr val="0033CC"/>
+                </a:solidFill>
+                <a:latin typeface="Consolas" panose="020B0609020204030204" pitchFamily="49" charset="0"/>
+              </a:rPr>
+              <a:t>Person</a:t>
+            </a:r>
+            <a:r>
+              <a:rPr lang="fr-CH" sz="2000" dirty="0" smtClean="0">
+                <a:latin typeface="Consolas" panose="020B0609020204030204" pitchFamily="49" charset="0"/>
+              </a:rPr>
+              <a:t>()</a:t>
+            </a:r>
+          </a:p>
+          <a:p>
+            <a:r>
+              <a:rPr lang="en-US" sz="2000" dirty="0" err="1">
+                <a:latin typeface="Consolas" panose="020B0609020204030204" pitchFamily="49" charset="0"/>
+              </a:rPr>
+              <a:t>john.residence</a:t>
+            </a:r>
+            <a:r>
+              <a:rPr lang="en-US" sz="2000" dirty="0" err="1">
+                <a:solidFill>
+                  <a:srgbClr val="ED0303"/>
+                </a:solidFill>
+                <a:latin typeface="Consolas" panose="020B0609020204030204" pitchFamily="49" charset="0"/>
+              </a:rPr>
+              <a:t>?</a:t>
+            </a:r>
+            <a:r>
+              <a:rPr lang="en-US" sz="2000" dirty="0" err="1">
+                <a:latin typeface="Consolas" panose="020B0609020204030204" pitchFamily="49" charset="0"/>
+              </a:rPr>
+              <a:t>.address</a:t>
+            </a:r>
+            <a:r>
+              <a:rPr lang="en-US" sz="2000" dirty="0">
+                <a:latin typeface="Consolas" panose="020B0609020204030204" pitchFamily="49" charset="0"/>
+              </a:rPr>
+              <a:t> = </a:t>
+            </a:r>
+            <a:r>
+              <a:rPr lang="en-US" sz="2000" dirty="0" err="1">
+                <a:latin typeface="Consolas" panose="020B0609020204030204" pitchFamily="49" charset="0"/>
+              </a:rPr>
+              <a:t>someAddress</a:t>
+            </a:r>
+            <a:endParaRPr lang="en-US" sz="2000" dirty="0">
+              <a:latin typeface="Consolas" panose="020B0609020204030204" pitchFamily="49" charset="0"/>
+            </a:endParaRPr>
+          </a:p>
+          <a:p>
+            <a:r>
+              <a:rPr lang="en-US" sz="2000" dirty="0">
+                <a:latin typeface="Consolas" panose="020B0609020204030204" pitchFamily="49" charset="0"/>
+              </a:rPr>
+              <a:t>john.residence</a:t>
+            </a:r>
+            <a:r>
+              <a:rPr lang="en-US" sz="2000" dirty="0">
+                <a:solidFill>
+                  <a:srgbClr val="ED0303"/>
+                </a:solidFill>
+                <a:latin typeface="Consolas" panose="020B0609020204030204" pitchFamily="49" charset="0"/>
+              </a:rPr>
+              <a:t>?</a:t>
+            </a:r>
+            <a:r>
+              <a:rPr lang="en-US" sz="2000" dirty="0">
+                <a:latin typeface="Consolas" panose="020B0609020204030204" pitchFamily="49" charset="0"/>
+              </a:rPr>
+              <a:t>.</a:t>
+            </a:r>
+            <a:r>
+              <a:rPr lang="en-US" sz="2000" dirty="0" err="1">
+                <a:latin typeface="Consolas" panose="020B0609020204030204" pitchFamily="49" charset="0"/>
+              </a:rPr>
+              <a:t>address.street</a:t>
+            </a:r>
+            <a:r>
+              <a:rPr lang="en-US" sz="2000" dirty="0">
+                <a:solidFill>
+                  <a:srgbClr val="ED0303"/>
+                </a:solidFill>
+                <a:latin typeface="Consolas" panose="020B0609020204030204" pitchFamily="49" charset="0"/>
+              </a:rPr>
+              <a:t>?</a:t>
+            </a:r>
+            <a:r>
+              <a:rPr lang="en-US" sz="2000" dirty="0">
+                <a:latin typeface="Consolas" panose="020B0609020204030204" pitchFamily="49" charset="0"/>
+              </a:rPr>
+              <a:t> </a:t>
+            </a:r>
+            <a:r>
+              <a:rPr lang="en-US" sz="2000" dirty="0">
+                <a:solidFill>
+                  <a:srgbClr val="ED0303"/>
+                </a:solidFill>
+                <a:latin typeface="Consolas" panose="020B0609020204030204" pitchFamily="49" charset="0"/>
+              </a:rPr>
+              <a:t>=</a:t>
+            </a:r>
+            <a:r>
+              <a:rPr lang="en-US" sz="2000" dirty="0">
+                <a:latin typeface="Consolas" panose="020B0609020204030204" pitchFamily="49" charset="0"/>
+              </a:rPr>
+              <a:t> "Bellevue"</a:t>
+            </a:r>
+            <a:endParaRPr lang="fr-CH" sz="2000" dirty="0" smtClean="0">
+              <a:latin typeface="Consolas" panose="020B0609020204030204" pitchFamily="49" charset="0"/>
+            </a:endParaRPr>
+          </a:p>
+          <a:p>
+            <a:endParaRPr lang="fr-CH" sz="2000" dirty="0">
+              <a:latin typeface="Consolas" panose="020B0609020204030204" pitchFamily="49" charset="0"/>
+            </a:endParaRPr>
+          </a:p>
+        </p:txBody>
+      </p:sp>
+    </p:spTree>
+    <p:extLst>
+      <p:ext uri="{BB962C8B-B14F-4D97-AF65-F5344CB8AC3E}">
+        <p14:creationId xmlns:p14="http://schemas.microsoft.com/office/powerpoint/2010/main" val="2164549760"/>
+      </p:ext>
+    </p:extLst>
+  </p:cSld>
+  <p:clrMapOvr>
+    <a:masterClrMapping/>
+  </p:clrMapOvr>
+  <p:timing>
+    <p:tnLst>
+      <p:par>
+        <p:cTn id="1" dur="indefinite" restart="never" nodeType="tmRoot"/>
+      </p:par>
+    </p:tnLst>
+  </p:timing>
+</p:sld>
+</file>
+
+<file path=ppt/slides/slide11.xml><?xml version="1.0" encoding="utf-8"?>
+<p:sld xmlns:a="http://schemas.openxmlformats.org/drawingml/2006/main" xmlns:r="http://schemas.openxmlformats.org/officeDocument/2006/relationships" xmlns:p="http://schemas.openxmlformats.org/presentationml/2006/main">
+  <p:cSld>
+    <p:spTree>
+      <p:nvGrpSpPr>
+        <p:cNvPr id="1" name=""/>
+        <p:cNvGrpSpPr/>
+        <p:nvPr/>
+      </p:nvGrpSpPr>
+      <p:grpSpPr>
+        <a:xfrm>
+          <a:off x="0" y="0"/>
+          <a:ext cx="0" cy="0"/>
+          <a:chOff x="0" y="0"/>
+          <a:chExt cx="0" cy="0"/>
+        </a:xfrm>
+      </p:grpSpPr>
+      <p:sp>
+        <p:nvSpPr>
+          <p:cNvPr id="2" name="Titre 1"/>
+          <p:cNvSpPr>
+            <a:spLocks noGrp="1"/>
+          </p:cNvSpPr>
+          <p:nvPr>
+            <p:ph type="title"/>
+          </p:nvPr>
+        </p:nvSpPr>
+        <p:spPr/>
+        <p:txBody>
+          <a:bodyPr/>
+          <a:lstStyle/>
+          <a:p>
+            <a:r>
+              <a:rPr lang="fr-CH" dirty="0" err="1" smtClean="0"/>
+              <a:t>Counted</a:t>
+            </a:r>
+            <a:r>
+              <a:rPr lang="fr-CH" dirty="0" smtClean="0"/>
+              <a:t> </a:t>
+            </a:r>
+            <a:r>
+              <a:rPr lang="fr-CH" dirty="0" err="1" smtClean="0"/>
+              <a:t>features</a:t>
+            </a:r>
+            <a:r>
+              <a:rPr lang="fr-CH" dirty="0" smtClean="0"/>
+              <a:t> in AST</a:t>
+            </a:r>
+            <a:endParaRPr lang="fr-CH" dirty="0"/>
+          </a:p>
+        </p:txBody>
+      </p:sp>
+      <p:sp>
+        <p:nvSpPr>
+          <p:cNvPr id="3" name="Espace réservé du contenu 2"/>
+          <p:cNvSpPr>
+            <a:spLocks noGrp="1"/>
+          </p:cNvSpPr>
+          <p:nvPr>
+            <p:ph idx="1"/>
+          </p:nvPr>
+        </p:nvSpPr>
+        <p:spPr/>
+        <p:txBody>
+          <a:bodyPr>
+            <a:normAutofit/>
+          </a:bodyPr>
+          <a:lstStyle/>
+          <a:p>
+            <a:r>
+              <a:rPr lang="fr-CH" dirty="0"/>
+              <a:t>Protocol </a:t>
+            </a:r>
+            <a:r>
+              <a:rPr lang="fr-CH" dirty="0" err="1" smtClean="0"/>
+              <a:t>declaration</a:t>
+            </a:r>
+            <a:endParaRPr lang="fr-CH" dirty="0"/>
+          </a:p>
+          <a:p>
+            <a:r>
+              <a:rPr lang="fr-CH" dirty="0"/>
+              <a:t>Class </a:t>
+            </a:r>
+            <a:r>
+              <a:rPr lang="fr-CH" dirty="0" err="1"/>
+              <a:t>declaration</a:t>
+            </a:r>
+            <a:r>
+              <a:rPr lang="fr-CH" dirty="0"/>
+              <a:t> </a:t>
+            </a:r>
+          </a:p>
+          <a:p>
+            <a:r>
+              <a:rPr lang="fr-CH" dirty="0" err="1"/>
+              <a:t>Struct</a:t>
+            </a:r>
+            <a:r>
+              <a:rPr lang="fr-CH" dirty="0"/>
+              <a:t> </a:t>
+            </a:r>
+            <a:r>
+              <a:rPr lang="fr-CH" dirty="0" err="1" smtClean="0"/>
+              <a:t>declaration</a:t>
+            </a:r>
+            <a:endParaRPr lang="fr-CH" dirty="0"/>
+          </a:p>
+          <a:p>
+            <a:r>
+              <a:rPr lang="fr-CH" dirty="0" err="1" smtClean="0"/>
+              <a:t>Retroactive</a:t>
+            </a:r>
+            <a:r>
+              <a:rPr lang="fr-CH" dirty="0" smtClean="0"/>
+              <a:t> </a:t>
+            </a:r>
+            <a:r>
+              <a:rPr lang="fr-CH" dirty="0" err="1" smtClean="0"/>
+              <a:t>modeling</a:t>
+            </a:r>
+            <a:endParaRPr lang="fr-CH" dirty="0" smtClean="0"/>
+          </a:p>
+          <a:p>
+            <a:r>
+              <a:rPr lang="fr-CH" dirty="0" smtClean="0"/>
+              <a:t>Protocol extension</a:t>
+            </a:r>
+          </a:p>
+          <a:p>
+            <a:r>
+              <a:rPr lang="fr-CH" dirty="0"/>
+              <a:t>Protocol </a:t>
+            </a:r>
+            <a:r>
+              <a:rPr lang="fr-CH" dirty="0" err="1"/>
+              <a:t>with</a:t>
+            </a:r>
+            <a:r>
+              <a:rPr lang="fr-CH" dirty="0"/>
+              <a:t> </a:t>
+            </a:r>
+            <a:r>
+              <a:rPr lang="fr-CH" dirty="0" err="1"/>
+              <a:t>associated</a:t>
+            </a:r>
+            <a:r>
+              <a:rPr lang="fr-CH" dirty="0"/>
+              <a:t> </a:t>
+            </a:r>
+            <a:r>
+              <a:rPr lang="fr-CH" dirty="0" err="1" smtClean="0"/>
+              <a:t>datatype</a:t>
+            </a:r>
+            <a:endParaRPr lang="fr-CH" dirty="0" smtClean="0"/>
+          </a:p>
+          <a:p>
+            <a:r>
+              <a:rPr lang="fr-CH" dirty="0" err="1" smtClean="0"/>
+              <a:t>Bounded</a:t>
+            </a:r>
+            <a:r>
+              <a:rPr lang="fr-CH" dirty="0" smtClean="0"/>
+              <a:t> </a:t>
+            </a:r>
+            <a:r>
+              <a:rPr lang="fr-CH" dirty="0" err="1" smtClean="0"/>
+              <a:t>polymorphism</a:t>
+            </a:r>
+            <a:endParaRPr lang="fr-CH" dirty="0" smtClean="0"/>
+          </a:p>
+          <a:p>
+            <a:endParaRPr lang="fr-CH" dirty="0"/>
+          </a:p>
+        </p:txBody>
+      </p:sp>
+      <p:sp>
+        <p:nvSpPr>
+          <p:cNvPr id="4" name="Espace réservé du numéro de diapositive 3"/>
+          <p:cNvSpPr>
+            <a:spLocks noGrp="1"/>
+          </p:cNvSpPr>
+          <p:nvPr>
+            <p:ph type="sldNum" sz="quarter" idx="12"/>
+          </p:nvPr>
+        </p:nvSpPr>
+        <p:spPr/>
+        <p:txBody>
+          <a:bodyPr/>
+          <a:lstStyle/>
+          <a:p>
+            <a:fld id="{F60449C3-8BCD-4455-8E2A-A866209B9601}" type="slidenum">
+              <a:rPr lang="fr-CH" smtClean="0"/>
+              <a:t>11</a:t>
+            </a:fld>
+            <a:endParaRPr lang="fr-CH"/>
+          </a:p>
+        </p:txBody>
+      </p:sp>
+      <p:sp>
+        <p:nvSpPr>
+          <p:cNvPr id="5" name="Rectangle 4"/>
+          <p:cNvSpPr/>
+          <p:nvPr/>
+        </p:nvSpPr>
+        <p:spPr>
+          <a:xfrm>
+            <a:off x="6807855" y="1861457"/>
+            <a:ext cx="6096000" cy="2677656"/>
+          </a:xfrm>
+          <a:prstGeom prst="rect">
+            <a:avLst/>
+          </a:prstGeom>
+        </p:spPr>
+        <p:txBody>
+          <a:bodyPr>
+            <a:spAutoFit/>
+          </a:bodyPr>
+          <a:lstStyle/>
+          <a:p>
+            <a:pPr marL="342900" indent="-342900">
+              <a:buFont typeface="Arial" panose="020B0604020202020204" pitchFamily="34" charset="0"/>
+              <a:buChar char="•"/>
+            </a:pPr>
+            <a:r>
+              <a:rPr lang="fr-CH" sz="2400" dirty="0" err="1" smtClean="0">
+                <a:latin typeface="Trebuchet MS" panose="020B0603020202020204" pitchFamily="34" charset="0"/>
+              </a:rPr>
+              <a:t>Optional</a:t>
+            </a:r>
+            <a:r>
+              <a:rPr lang="fr-CH" sz="2400" dirty="0" smtClean="0">
+                <a:latin typeface="Trebuchet MS" panose="020B0603020202020204" pitchFamily="34" charset="0"/>
+              </a:rPr>
+              <a:t> </a:t>
+            </a:r>
+            <a:r>
+              <a:rPr lang="fr-CH" sz="2400" dirty="0" err="1" smtClean="0">
+                <a:latin typeface="Trebuchet MS" panose="020B0603020202020204" pitchFamily="34" charset="0"/>
+              </a:rPr>
+              <a:t>chaining</a:t>
+            </a:r>
+            <a:endParaRPr lang="fr-CH" sz="2400" dirty="0" smtClean="0">
+              <a:latin typeface="Trebuchet MS" panose="020B0603020202020204" pitchFamily="34" charset="0"/>
+            </a:endParaRPr>
+          </a:p>
+          <a:p>
+            <a:pPr marL="342900" indent="-342900">
+              <a:buFont typeface="Arial" panose="020B0604020202020204" pitchFamily="34" charset="0"/>
+              <a:buChar char="•"/>
+            </a:pPr>
+            <a:r>
+              <a:rPr lang="fr-CH" sz="2400" dirty="0" err="1">
+                <a:latin typeface="Trebuchet MS" panose="020B0603020202020204" pitchFamily="34" charset="0"/>
+              </a:rPr>
+              <a:t>Optionals</a:t>
+            </a:r>
+            <a:r>
+              <a:rPr lang="fr-CH" sz="2400" dirty="0">
+                <a:latin typeface="Trebuchet MS" panose="020B0603020202020204" pitchFamily="34" charset="0"/>
+              </a:rPr>
+              <a:t> </a:t>
+            </a:r>
+          </a:p>
+          <a:p>
+            <a:pPr marL="342900" indent="-342900">
+              <a:buFont typeface="Arial" panose="020B0604020202020204" pitchFamily="34" charset="0"/>
+              <a:buChar char="•"/>
+            </a:pPr>
+            <a:r>
+              <a:rPr lang="fr-CH" sz="2400" dirty="0" err="1">
+                <a:latin typeface="Trebuchet MS" panose="020B0603020202020204" pitchFamily="34" charset="0"/>
+              </a:rPr>
+              <a:t>Inline</a:t>
+            </a:r>
+            <a:r>
+              <a:rPr lang="fr-CH" sz="2400" dirty="0">
+                <a:latin typeface="Trebuchet MS" panose="020B0603020202020204" pitchFamily="34" charset="0"/>
+              </a:rPr>
+              <a:t> </a:t>
+            </a:r>
+            <a:r>
+              <a:rPr lang="fr-CH" sz="2400" dirty="0" err="1" smtClean="0">
+                <a:latin typeface="Trebuchet MS" panose="020B0603020202020204" pitchFamily="34" charset="0"/>
+              </a:rPr>
+              <a:t>functions</a:t>
+            </a:r>
+            <a:endParaRPr lang="fr-CH" sz="2400" dirty="0" smtClean="0">
+              <a:latin typeface="Trebuchet MS" panose="020B0603020202020204" pitchFamily="34" charset="0"/>
+            </a:endParaRPr>
+          </a:p>
+          <a:p>
+            <a:pPr marL="342900" indent="-342900">
+              <a:buFont typeface="Arial" panose="020B0604020202020204" pitchFamily="34" charset="0"/>
+              <a:buChar char="•"/>
+            </a:pPr>
+            <a:r>
+              <a:rPr lang="fr-CH" sz="2400" dirty="0" err="1" smtClean="0">
+                <a:latin typeface="Trebuchet MS" panose="020B0603020202020204" pitchFamily="34" charset="0"/>
+              </a:rPr>
+              <a:t>Closure</a:t>
+            </a:r>
+            <a:endParaRPr lang="fr-CH" sz="2400" dirty="0" smtClean="0">
+              <a:latin typeface="Trebuchet MS" panose="020B0603020202020204" pitchFamily="34" charset="0"/>
+            </a:endParaRPr>
+          </a:p>
+          <a:p>
+            <a:pPr marL="342900" indent="-342900">
+              <a:buFont typeface="Arial" panose="020B0604020202020204" pitchFamily="34" charset="0"/>
+              <a:buChar char="•"/>
+            </a:pPr>
+            <a:r>
+              <a:rPr lang="fr-CH" sz="2400" dirty="0" err="1" smtClean="0">
+                <a:latin typeface="Trebuchet MS" panose="020B0603020202020204" pitchFamily="34" charset="0"/>
+              </a:rPr>
+              <a:t>Infered</a:t>
+            </a:r>
+            <a:r>
+              <a:rPr lang="fr-CH" sz="2400" dirty="0" smtClean="0">
+                <a:latin typeface="Trebuchet MS" panose="020B0603020202020204" pitchFamily="34" charset="0"/>
+              </a:rPr>
+              <a:t> types</a:t>
+            </a:r>
+          </a:p>
+          <a:p>
+            <a:pPr marL="342900" indent="-342900">
+              <a:buFont typeface="Arial" panose="020B0604020202020204" pitchFamily="34" charset="0"/>
+              <a:buChar char="•"/>
+            </a:pPr>
+            <a:r>
+              <a:rPr lang="fr-CH" sz="2400" dirty="0" smtClean="0">
+                <a:latin typeface="Trebuchet MS" panose="020B0603020202020204" pitchFamily="34" charset="0"/>
+              </a:rPr>
+              <a:t>Variable </a:t>
+            </a:r>
+            <a:r>
+              <a:rPr lang="fr-CH" sz="2400" dirty="0" err="1" smtClean="0">
+                <a:latin typeface="Trebuchet MS" panose="020B0603020202020204" pitchFamily="34" charset="0"/>
+              </a:rPr>
+              <a:t>declaration</a:t>
+            </a:r>
+            <a:endParaRPr lang="fr-CH" sz="2400" dirty="0" smtClean="0">
+              <a:latin typeface="Trebuchet MS" panose="020B0603020202020204" pitchFamily="34" charset="0"/>
+            </a:endParaRPr>
+          </a:p>
+          <a:p>
+            <a:pPr marL="342900" indent="-342900">
+              <a:buFont typeface="Arial" panose="020B0604020202020204" pitchFamily="34" charset="0"/>
+              <a:buChar char="•"/>
+            </a:pPr>
+            <a:r>
+              <a:rPr lang="fr-CH" sz="2400" dirty="0" smtClean="0">
+                <a:latin typeface="Trebuchet MS" panose="020B0603020202020204" pitchFamily="34" charset="0"/>
+              </a:rPr>
+              <a:t>Constant </a:t>
+            </a:r>
+            <a:r>
+              <a:rPr lang="fr-CH" sz="2400" dirty="0" err="1" smtClean="0">
+                <a:latin typeface="Trebuchet MS" panose="020B0603020202020204" pitchFamily="34" charset="0"/>
+              </a:rPr>
+              <a:t>declaration</a:t>
+            </a:r>
+            <a:endParaRPr lang="fr-CH" sz="2400" dirty="0">
+              <a:latin typeface="Trebuchet MS" panose="020B0603020202020204" pitchFamily="34" charset="0"/>
+            </a:endParaRPr>
+          </a:p>
+        </p:txBody>
+      </p:sp>
+    </p:spTree>
+    <p:extLst>
+      <p:ext uri="{BB962C8B-B14F-4D97-AF65-F5344CB8AC3E}">
+        <p14:creationId xmlns:p14="http://schemas.microsoft.com/office/powerpoint/2010/main" val="3882003861"/>
+      </p:ext>
+    </p:extLst>
+  </p:cSld>
+  <p:clrMapOvr>
+    <a:masterClrMapping/>
+  </p:clrMapOvr>
+  <p:timing>
+    <p:tnLst>
+      <p:par>
+        <p:cTn id="1" dur="indefinite" restart="never" nodeType="tmRoot"/>
+      </p:par>
+    </p:tnLst>
+  </p:timing>
+</p:sld>
+</file>
+
+<file path=ppt/slides/slide12.xml><?xml version="1.0" encoding="utf-8"?>
+<p:sld xmlns:a="http://schemas.openxmlformats.org/drawingml/2006/main" xmlns:r="http://schemas.openxmlformats.org/officeDocument/2006/relationships" xmlns:p="http://schemas.openxmlformats.org/presentationml/2006/main">
+  <p:cSld>
+    <p:spTree>
+      <p:nvGrpSpPr>
+        <p:cNvPr id="1" name=""/>
+        <p:cNvGrpSpPr/>
+        <p:nvPr/>
+      </p:nvGrpSpPr>
+      <p:grpSpPr>
+        <a:xfrm>
+          <a:off x="0" y="0"/>
+          <a:ext cx="0" cy="0"/>
+          <a:chOff x="0" y="0"/>
+          <a:chExt cx="0" cy="0"/>
+        </a:xfrm>
+      </p:grpSpPr>
+      <p:sp>
+        <p:nvSpPr>
+          <p:cNvPr id="2" name="Titre 1"/>
+          <p:cNvSpPr>
+            <a:spLocks noGrp="1"/>
+          </p:cNvSpPr>
+          <p:nvPr>
+            <p:ph type="title"/>
+          </p:nvPr>
+        </p:nvSpPr>
+        <p:spPr/>
+        <p:txBody>
+          <a:bodyPr/>
+          <a:lstStyle/>
+          <a:p>
+            <a:r>
+              <a:rPr lang="fr-CH" dirty="0" smtClean="0"/>
+              <a:t>Project scope</a:t>
+            </a:r>
+            <a:endParaRPr lang="fr-CH" dirty="0"/>
+          </a:p>
+        </p:txBody>
+      </p:sp>
+      <p:sp>
+        <p:nvSpPr>
+          <p:cNvPr id="4" name="Espace réservé du numéro de diapositive 3"/>
+          <p:cNvSpPr>
+            <a:spLocks noGrp="1"/>
+          </p:cNvSpPr>
+          <p:nvPr>
+            <p:ph type="sldNum" sz="quarter" idx="12"/>
+          </p:nvPr>
+        </p:nvSpPr>
+        <p:spPr/>
+        <p:txBody>
+          <a:bodyPr/>
+          <a:lstStyle/>
+          <a:p>
+            <a:fld id="{F60449C3-8BCD-4455-8E2A-A866209B9601}" type="slidenum">
+              <a:rPr lang="fr-CH" smtClean="0"/>
+              <a:t>12</a:t>
+            </a:fld>
+            <a:endParaRPr lang="fr-CH"/>
+          </a:p>
+        </p:txBody>
+      </p:sp>
+      <p:grpSp>
+        <p:nvGrpSpPr>
+          <p:cNvPr id="7" name="Groupe 6"/>
+          <p:cNvGrpSpPr/>
+          <p:nvPr/>
+        </p:nvGrpSpPr>
+        <p:grpSpPr>
+          <a:xfrm>
+            <a:off x="3897713" y="2730503"/>
+            <a:ext cx="899766" cy="923330"/>
+            <a:chOff x="4851264" y="3452065"/>
+            <a:chExt cx="899766" cy="923330"/>
+          </a:xfrm>
+        </p:grpSpPr>
+        <p:sp>
+          <p:nvSpPr>
+            <p:cNvPr id="5" name="ZoneTexte 4"/>
+            <p:cNvSpPr txBox="1"/>
+            <p:nvPr/>
+          </p:nvSpPr>
+          <p:spPr>
+            <a:xfrm>
+              <a:off x="5123935" y="3452065"/>
+              <a:ext cx="627095" cy="923330"/>
+            </a:xfrm>
+            <a:prstGeom prst="rect">
+              <a:avLst/>
+            </a:prstGeom>
+            <a:noFill/>
+          </p:spPr>
+          <p:txBody>
+            <a:bodyPr wrap="none" rtlCol="0">
+              <a:spAutoFit/>
+            </a:bodyPr>
+            <a:lstStyle/>
+            <a:p>
+              <a:r>
+                <a:rPr lang="fr-CH" sz="5400" b="1" dirty="0" smtClean="0">
+                  <a:latin typeface="Lucida Sans" panose="020B0602030504020204" pitchFamily="34" charset="0"/>
+                </a:rPr>
+                <a:t>1</a:t>
+              </a:r>
+              <a:endParaRPr lang="fr-CH" sz="2000" b="1" dirty="0">
+                <a:latin typeface="Lucida Sans" panose="020B0602030504020204" pitchFamily="34" charset="0"/>
+              </a:endParaRPr>
+            </a:p>
+          </p:txBody>
+        </p:sp>
+        <p:sp>
+          <p:nvSpPr>
+            <p:cNvPr id="6" name="Rectangle 5"/>
+            <p:cNvSpPr/>
+            <p:nvPr/>
+          </p:nvSpPr>
+          <p:spPr>
+            <a:xfrm>
+              <a:off x="4851264" y="3556937"/>
+              <a:ext cx="545342" cy="769441"/>
+            </a:xfrm>
+            <a:prstGeom prst="rect">
+              <a:avLst/>
+            </a:prstGeom>
+          </p:spPr>
+          <p:txBody>
+            <a:bodyPr wrap="none">
+              <a:spAutoFit/>
+            </a:bodyPr>
+            <a:lstStyle/>
+            <a:p>
+              <a:r>
+                <a:rPr lang="fr-CH" sz="4400" b="1" dirty="0">
+                  <a:latin typeface="Lucida Sans" panose="020B0602030504020204" pitchFamily="34" charset="0"/>
+                </a:rPr>
+                <a:t>+</a:t>
+              </a:r>
+              <a:endParaRPr lang="fr-CH" sz="2800" dirty="0"/>
+            </a:p>
+          </p:txBody>
+        </p:sp>
+      </p:grpSp>
+      <p:pic>
+        <p:nvPicPr>
+          <p:cNvPr id="9" name="Image 8"/>
+          <p:cNvPicPr>
+            <a:picLocks noChangeAspect="1"/>
+          </p:cNvPicPr>
+          <p:nvPr/>
+        </p:nvPicPr>
+        <p:blipFill>
+          <a:blip r:embed="rId2"/>
+          <a:stretch>
+            <a:fillRect/>
+          </a:stretch>
+        </p:blipFill>
+        <p:spPr>
+          <a:xfrm>
+            <a:off x="6811305" y="2667962"/>
+            <a:ext cx="1048938" cy="1046827"/>
+          </a:xfrm>
+          <a:prstGeom prst="rect">
+            <a:avLst/>
+          </a:prstGeom>
+        </p:spPr>
+      </p:pic>
+      <p:pic>
+        <p:nvPicPr>
+          <p:cNvPr id="10" name="Image 9"/>
+          <p:cNvPicPr>
+            <a:picLocks noChangeAspect="1"/>
+          </p:cNvPicPr>
+          <p:nvPr/>
+        </p:nvPicPr>
+        <p:blipFill>
+          <a:blip r:embed="rId3"/>
+          <a:stretch>
+            <a:fillRect/>
+          </a:stretch>
+        </p:blipFill>
+        <p:spPr>
+          <a:xfrm>
+            <a:off x="1033000" y="2665317"/>
+            <a:ext cx="1290464" cy="1290464"/>
+          </a:xfrm>
+          <a:prstGeom prst="rect">
+            <a:avLst/>
+          </a:prstGeom>
+        </p:spPr>
+      </p:pic>
+      <p:sp>
+        <p:nvSpPr>
+          <p:cNvPr id="11" name="ZoneTexte 10"/>
+          <p:cNvSpPr txBox="1"/>
+          <p:nvPr/>
+        </p:nvSpPr>
+        <p:spPr>
+          <a:xfrm>
+            <a:off x="677334" y="3981610"/>
+            <a:ext cx="2001795" cy="646331"/>
+          </a:xfrm>
+          <a:prstGeom prst="rect">
+            <a:avLst/>
+          </a:prstGeom>
+          <a:noFill/>
+        </p:spPr>
+        <p:txBody>
+          <a:bodyPr wrap="square" rtlCol="0">
+            <a:spAutoFit/>
+          </a:bodyPr>
+          <a:lstStyle/>
+          <a:p>
+            <a:pPr algn="ctr"/>
+            <a:r>
+              <a:rPr lang="fr-CH" dirty="0" err="1" smtClean="0"/>
+              <a:t>Downloads</a:t>
+            </a:r>
+            <a:r>
+              <a:rPr lang="fr-CH" dirty="0" smtClean="0"/>
+              <a:t> </a:t>
+            </a:r>
+            <a:r>
+              <a:rPr lang="fr-CH" dirty="0" err="1" smtClean="0"/>
+              <a:t>Github</a:t>
+            </a:r>
+            <a:r>
+              <a:rPr lang="fr-CH" dirty="0" smtClean="0"/>
+              <a:t> </a:t>
+            </a:r>
+            <a:r>
+              <a:rPr lang="fr-CH" dirty="0" err="1" smtClean="0"/>
+              <a:t>projects</a:t>
+            </a:r>
+            <a:endParaRPr lang="fr-CH" dirty="0"/>
+          </a:p>
+        </p:txBody>
+      </p:sp>
+      <p:sp>
+        <p:nvSpPr>
+          <p:cNvPr id="13" name="ZoneTexte 12"/>
+          <p:cNvSpPr txBox="1"/>
+          <p:nvPr/>
+        </p:nvSpPr>
+        <p:spPr>
+          <a:xfrm>
+            <a:off x="3506000" y="4118610"/>
+            <a:ext cx="1874110" cy="369332"/>
+          </a:xfrm>
+          <a:prstGeom prst="rect">
+            <a:avLst/>
+          </a:prstGeom>
+          <a:noFill/>
+        </p:spPr>
+        <p:txBody>
+          <a:bodyPr wrap="square" rtlCol="0">
+            <a:spAutoFit/>
+          </a:bodyPr>
+          <a:lstStyle/>
+          <a:p>
+            <a:pPr algn="ctr"/>
+            <a:r>
+              <a:rPr lang="fr-CH" dirty="0" err="1" smtClean="0"/>
+              <a:t>Extracts</a:t>
+            </a:r>
+            <a:r>
+              <a:rPr lang="fr-CH" dirty="0" smtClean="0"/>
+              <a:t> patterns</a:t>
+            </a:r>
+            <a:endParaRPr lang="fr-CH" dirty="0"/>
+          </a:p>
+        </p:txBody>
+      </p:sp>
+      <p:sp>
+        <p:nvSpPr>
+          <p:cNvPr id="12" name="Flèche droite 11"/>
+          <p:cNvSpPr/>
+          <p:nvPr/>
+        </p:nvSpPr>
+        <p:spPr>
+          <a:xfrm>
+            <a:off x="2785194" y="3169733"/>
+            <a:ext cx="650789" cy="183284"/>
+          </a:xfrm>
+          <a:prstGeom prst="rightArrow">
+            <a:avLst/>
+          </a:prstGeom>
+        </p:spPr>
+        <p:style>
+          <a:lnRef idx="2">
+            <a:schemeClr val="accent1">
+              <a:shade val="50000"/>
+            </a:schemeClr>
+          </a:lnRef>
+          <a:fillRef idx="1">
+            <a:schemeClr val="accent1"/>
+          </a:fillRef>
+          <a:effectRef idx="0">
+            <a:schemeClr val="accent1"/>
+          </a:effectRef>
+          <a:fontRef idx="minor">
+            <a:schemeClr val="lt1"/>
+          </a:fontRef>
+        </p:style>
+        <p:txBody>
+          <a:bodyPr rtlCol="0" anchor="ctr"/>
+          <a:lstStyle/>
+          <a:p>
+            <a:pPr algn="ctr"/>
+            <a:endParaRPr lang="fr-CH"/>
+          </a:p>
+        </p:txBody>
+      </p:sp>
+      <p:sp>
+        <p:nvSpPr>
+          <p:cNvPr id="15" name="Flèche droite 14"/>
+          <p:cNvSpPr/>
+          <p:nvPr/>
+        </p:nvSpPr>
+        <p:spPr>
+          <a:xfrm>
+            <a:off x="5478997" y="3127734"/>
+            <a:ext cx="650789" cy="183284"/>
+          </a:xfrm>
+          <a:prstGeom prst="rightArrow">
+            <a:avLst/>
+          </a:prstGeom>
+        </p:spPr>
+        <p:style>
+          <a:lnRef idx="2">
+            <a:schemeClr val="accent1">
+              <a:shade val="50000"/>
+            </a:schemeClr>
+          </a:lnRef>
+          <a:fillRef idx="1">
+            <a:schemeClr val="accent1"/>
+          </a:fillRef>
+          <a:effectRef idx="0">
+            <a:schemeClr val="accent1"/>
+          </a:effectRef>
+          <a:fontRef idx="minor">
+            <a:schemeClr val="lt1"/>
+          </a:fontRef>
+        </p:style>
+        <p:txBody>
+          <a:bodyPr rtlCol="0" anchor="ctr"/>
+          <a:lstStyle/>
+          <a:p>
+            <a:pPr algn="ctr"/>
+            <a:endParaRPr lang="fr-CH"/>
+          </a:p>
+        </p:txBody>
+      </p:sp>
+      <p:sp>
+        <p:nvSpPr>
+          <p:cNvPr id="17" name="ZoneTexte 16"/>
+          <p:cNvSpPr txBox="1"/>
+          <p:nvPr/>
+        </p:nvSpPr>
+        <p:spPr>
+          <a:xfrm>
+            <a:off x="6334876" y="4118610"/>
+            <a:ext cx="2001795" cy="369332"/>
+          </a:xfrm>
+          <a:prstGeom prst="rect">
+            <a:avLst/>
+          </a:prstGeom>
+          <a:noFill/>
+        </p:spPr>
+        <p:txBody>
+          <a:bodyPr wrap="square" rtlCol="0">
+            <a:spAutoFit/>
+          </a:bodyPr>
+          <a:lstStyle/>
+          <a:p>
+            <a:pPr algn="ctr"/>
+            <a:r>
+              <a:rPr lang="fr-CH" dirty="0" err="1" smtClean="0"/>
+              <a:t>Ouputs</a:t>
+            </a:r>
+            <a:r>
+              <a:rPr lang="fr-CH" dirty="0" smtClean="0"/>
+              <a:t> </a:t>
+            </a:r>
+            <a:r>
+              <a:rPr lang="fr-CH" dirty="0" err="1" smtClean="0"/>
+              <a:t>statistics</a:t>
+            </a:r>
+            <a:endParaRPr lang="fr-CH" dirty="0"/>
+          </a:p>
+        </p:txBody>
+      </p:sp>
+      <p:grpSp>
+        <p:nvGrpSpPr>
+          <p:cNvPr id="14" name="Groupe 13"/>
+          <p:cNvGrpSpPr/>
+          <p:nvPr/>
+        </p:nvGrpSpPr>
+        <p:grpSpPr>
+          <a:xfrm>
+            <a:off x="8605501" y="2932170"/>
+            <a:ext cx="650789" cy="531128"/>
+            <a:chOff x="8761776" y="2904169"/>
+            <a:chExt cx="650789" cy="531128"/>
+          </a:xfrm>
+        </p:grpSpPr>
+        <p:sp>
+          <p:nvSpPr>
+            <p:cNvPr id="18" name="Flèche droite 17"/>
+            <p:cNvSpPr/>
+            <p:nvPr/>
+          </p:nvSpPr>
+          <p:spPr>
+            <a:xfrm>
+              <a:off x="8761776" y="3078091"/>
+              <a:ext cx="650789" cy="183284"/>
+            </a:xfrm>
+            <a:prstGeom prst="rightArrow">
+              <a:avLst/>
+            </a:prstGeom>
+          </p:spPr>
+          <p:style>
+            <a:lnRef idx="2">
+              <a:schemeClr val="accent1">
+                <a:shade val="50000"/>
+              </a:schemeClr>
+            </a:lnRef>
+            <a:fillRef idx="1">
+              <a:schemeClr val="accent1"/>
+            </a:fillRef>
+            <a:effectRef idx="0">
+              <a:schemeClr val="accent1"/>
+            </a:effectRef>
+            <a:fontRef idx="minor">
+              <a:schemeClr val="lt1"/>
+            </a:fontRef>
+          </p:style>
+          <p:txBody>
+            <a:bodyPr rtlCol="0" anchor="ctr"/>
+            <a:lstStyle/>
+            <a:p>
+              <a:pPr algn="ctr"/>
+              <a:endParaRPr lang="fr-CH"/>
+            </a:p>
+          </p:txBody>
+        </p:sp>
+        <p:pic>
+          <p:nvPicPr>
+            <p:cNvPr id="19" name="Image 18"/>
+            <p:cNvPicPr>
+              <a:picLocks noChangeAspect="1"/>
+            </p:cNvPicPr>
+            <p:nvPr/>
+          </p:nvPicPr>
+          <p:blipFill>
+            <a:blip r:embed="rId4"/>
+            <a:stretch>
+              <a:fillRect/>
+            </a:stretch>
+          </p:blipFill>
+          <p:spPr>
+            <a:xfrm>
+              <a:off x="8821606" y="2904169"/>
+              <a:ext cx="531128" cy="531128"/>
+            </a:xfrm>
+            <a:prstGeom prst="rect">
+              <a:avLst/>
+            </a:prstGeom>
+          </p:spPr>
+        </p:pic>
+      </p:grpSp>
+      <p:pic>
+        <p:nvPicPr>
+          <p:cNvPr id="20" name="Image 19"/>
+          <p:cNvPicPr>
+            <a:picLocks noChangeAspect="1"/>
+          </p:cNvPicPr>
+          <p:nvPr/>
+        </p:nvPicPr>
+        <p:blipFill>
+          <a:blip r:embed="rId5"/>
+          <a:stretch>
+            <a:fillRect/>
+          </a:stretch>
+        </p:blipFill>
+        <p:spPr>
+          <a:xfrm>
+            <a:off x="9634537" y="2437677"/>
+            <a:ext cx="1284923" cy="1277112"/>
+          </a:xfrm>
+          <a:prstGeom prst="rect">
+            <a:avLst/>
+          </a:prstGeom>
+        </p:spPr>
+      </p:pic>
+      <p:sp>
+        <p:nvSpPr>
+          <p:cNvPr id="23" name="ZoneTexte 22"/>
+          <p:cNvSpPr txBox="1"/>
+          <p:nvPr/>
+        </p:nvSpPr>
+        <p:spPr>
+          <a:xfrm>
+            <a:off x="9291437" y="4118610"/>
+            <a:ext cx="2001795" cy="369332"/>
+          </a:xfrm>
+          <a:prstGeom prst="rect">
+            <a:avLst/>
+          </a:prstGeom>
+          <a:noFill/>
+        </p:spPr>
+        <p:txBody>
+          <a:bodyPr wrap="square" rtlCol="0">
+            <a:spAutoFit/>
+          </a:bodyPr>
+          <a:lstStyle/>
+          <a:p>
+            <a:pPr algn="ctr"/>
+            <a:r>
+              <a:rPr lang="fr-CH" dirty="0" err="1" smtClean="0"/>
+              <a:t>Statistics</a:t>
+            </a:r>
+            <a:r>
+              <a:rPr lang="fr-CH" dirty="0" smtClean="0"/>
+              <a:t> </a:t>
+            </a:r>
+            <a:r>
+              <a:rPr lang="fr-CH" dirty="0" err="1" smtClean="0"/>
+              <a:t>analysis</a:t>
+            </a:r>
+            <a:endParaRPr lang="fr-CH" dirty="0"/>
+          </a:p>
+        </p:txBody>
+      </p:sp>
+    </p:spTree>
+    <p:extLst>
+      <p:ext uri="{BB962C8B-B14F-4D97-AF65-F5344CB8AC3E}">
+        <p14:creationId xmlns:p14="http://schemas.microsoft.com/office/powerpoint/2010/main" val="1326824835"/>
+      </p:ext>
+    </p:extLst>
+  </p:cSld>
+  <p:clrMapOvr>
+    <a:masterClrMapping/>
+  </p:clrMapOvr>
+</p:sld>
+</file>
+
+<file path=ppt/slides/slide13.xml><?xml version="1.0" encoding="utf-8"?>
+<p:sld xmlns:a="http://schemas.openxmlformats.org/drawingml/2006/main" xmlns:r="http://schemas.openxmlformats.org/officeDocument/2006/relationships" xmlns:p="http://schemas.openxmlformats.org/presentationml/2006/main">
+  <p:cSld>
+    <p:spTree>
+      <p:nvGrpSpPr>
+        <p:cNvPr id="1" name=""/>
+        <p:cNvGrpSpPr/>
+        <p:nvPr/>
+      </p:nvGrpSpPr>
+      <p:grpSpPr>
+        <a:xfrm>
+          <a:off x="0" y="0"/>
+          <a:ext cx="0" cy="0"/>
+          <a:chOff x="0" y="0"/>
+          <a:chExt cx="0" cy="0"/>
+        </a:xfrm>
+      </p:grpSpPr>
+      <p:sp>
+        <p:nvSpPr>
+          <p:cNvPr id="2" name="Titre 1"/>
+          <p:cNvSpPr>
+            <a:spLocks noGrp="1"/>
+          </p:cNvSpPr>
+          <p:nvPr>
+            <p:ph type="title"/>
+          </p:nvPr>
+        </p:nvSpPr>
+        <p:spPr/>
+        <p:txBody>
+          <a:bodyPr/>
+          <a:lstStyle/>
+          <a:p>
+            <a:r>
               <a:rPr lang="fr-CH" dirty="0" smtClean="0"/>
               <a:t>Sources</a:t>
             </a:r>
@@ -11559,7 +12804,7 @@
           <a:p>
             <a:fld id="{5C659214-C5B2-4878-BE63-6680446A108B}" type="slidenum">
               <a:rPr lang="fr-CH" smtClean="0"/>
-              <a:t>10</a:t>
+              <a:t>13</a:t>
             </a:fld>
             <a:endParaRPr lang="fr-CH"/>
           </a:p>
@@ -11992,16 +13237,8 @@
           <a:lstStyle/>
           <a:p>
             <a:r>
-              <a:rPr lang="fr-CH" dirty="0" err="1" smtClean="0"/>
-              <a:t>Two</a:t>
-            </a:r>
-            <a:r>
               <a:rPr lang="fr-CH" dirty="0" smtClean="0"/>
-              <a:t> </a:t>
-            </a:r>
-            <a:r>
-              <a:rPr lang="fr-CH" dirty="0" err="1" smtClean="0"/>
-              <a:t>keypoints</a:t>
+              <a:t>Project progression</a:t>
             </a:r>
             <a:endParaRPr lang="fr-CH" dirty="0"/>
           </a:p>
@@ -12017,6 +13254,16 @@
         </p:nvPicPr>
         <p:blipFill>
           <a:blip r:embed="rId2">
+            <a:clrChange>
+              <a:clrFrom>
+                <a:srgbClr val="FFFFFF"/>
+              </a:clrFrom>
+              <a:clrTo>
+                <a:srgbClr val="FFFFFF">
+                  <a:alpha val="0"/>
+                </a:srgbClr>
+              </a:clrTo>
+            </a:clrChange>
             <a:extLst>
               <a:ext uri="{28A0092B-C50C-407E-A947-70E740481C1C}">
                 <a14:useLocalDpi xmlns:a14="http://schemas.microsoft.com/office/drawing/2010/main" val="0"/>
@@ -12030,8 +13277,8 @@
         </p:blipFill>
         <p:spPr bwMode="auto">
           <a:xfrm>
-            <a:off x="2149649" y="1553193"/>
-            <a:ext cx="3024230" cy="1701130"/>
+            <a:off x="1397297" y="2409927"/>
+            <a:ext cx="1253493" cy="705090"/>
           </a:xfrm>
           <a:prstGeom prst="rect">
             <a:avLst/>
@@ -12070,8 +13317,8 @@
         </p:blipFill>
         <p:spPr>
           <a:xfrm>
-            <a:off x="2902297" y="1663261"/>
-            <a:ext cx="2438400" cy="1828800"/>
+            <a:off x="1809203" y="2409927"/>
+            <a:ext cx="1010676" cy="758007"/>
           </a:xfrm>
           <a:prstGeom prst="rect">
             <a:avLst/>
@@ -12088,6 +13335,16 @@
         </p:nvPicPr>
         <p:blipFill>
           <a:blip r:embed="rId4">
+            <a:clrChange>
+              <a:clrFrom>
+                <a:srgbClr val="FFFFFF"/>
+              </a:clrFrom>
+              <a:clrTo>
+                <a:srgbClr val="FFFFFF">
+                  <a:alpha val="0"/>
+                </a:srgbClr>
+              </a:clrTo>
+            </a:clrChange>
             <a:extLst>
               <a:ext uri="{28A0092B-C50C-407E-A947-70E740481C1C}">
                 <a14:useLocalDpi xmlns:a14="http://schemas.microsoft.com/office/drawing/2010/main" val="0"/>
@@ -12101,8 +13358,8 @@
         </p:blipFill>
         <p:spPr bwMode="auto">
           <a:xfrm>
-            <a:off x="6948304" y="1696068"/>
-            <a:ext cx="2486025" cy="2295526"/>
+            <a:off x="3517281" y="2409927"/>
+            <a:ext cx="1030416" cy="951457"/>
           </a:xfrm>
           <a:prstGeom prst="rect">
             <a:avLst/>
@@ -12127,8 +13384,8 @@
         </p:nvSpPr>
         <p:spPr>
           <a:xfrm>
-            <a:off x="7645747" y="1367230"/>
-            <a:ext cx="1619250" cy="400110"/>
+            <a:off x="3629837" y="2066997"/>
+            <a:ext cx="671152" cy="400110"/>
           </a:xfrm>
           <a:prstGeom prst="rect">
             <a:avLst/>
@@ -12151,19 +13408,19 @@
       </p:sp>
       <p:graphicFrame>
         <p:nvGraphicFramePr>
-          <p:cNvPr id="14" name="Graphique 13"/>
+          <p:cNvPr id="18" name="Graphique 17"/>
           <p:cNvGraphicFramePr/>
           <p:nvPr>
             <p:extLst>
               <p:ext uri="{D42A27DB-BD31-4B8C-83A1-F6EECF244321}">
-                <p14:modId xmlns:p14="http://schemas.microsoft.com/office/powerpoint/2010/main" val="4224369938"/>
+                <p14:modId xmlns:p14="http://schemas.microsoft.com/office/powerpoint/2010/main" val="2571698779"/>
               </p:ext>
             </p:extLst>
           </p:nvPr>
         </p:nvGraphicFramePr>
         <p:xfrm>
-          <a:off x="1533933" y="4037288"/>
-          <a:ext cx="4255662" cy="1886032"/>
+          <a:off x="677334" y="3893437"/>
+          <a:ext cx="4615555" cy="1893197"/>
         </p:xfrm>
         <a:graphic>
           <a:graphicData uri="http://schemas.openxmlformats.org/drawingml/2006/chart">
@@ -12171,28 +13428,6 @@
           </a:graphicData>
         </a:graphic>
       </p:graphicFrame>
-      <p:graphicFrame>
-        <p:nvGraphicFramePr>
-          <p:cNvPr id="18" name="Graphique 17"/>
-          <p:cNvGraphicFramePr/>
-          <p:nvPr>
-            <p:extLst>
-              <p:ext uri="{D42A27DB-BD31-4B8C-83A1-F6EECF244321}">
-                <p14:modId xmlns:p14="http://schemas.microsoft.com/office/powerpoint/2010/main" val="2927113945"/>
-              </p:ext>
-            </p:extLst>
-          </p:nvPr>
-        </p:nvGraphicFramePr>
-        <p:xfrm>
-          <a:off x="5725315" y="4037288"/>
-          <a:ext cx="4615555" cy="1893197"/>
-        </p:xfrm>
-        <a:graphic>
-          <a:graphicData uri="http://schemas.openxmlformats.org/drawingml/2006/chart">
-            <c:chart xmlns:c="http://schemas.openxmlformats.org/drawingml/2006/chart" xmlns:r="http://schemas.openxmlformats.org/officeDocument/2006/relationships" r:id="rId6"/>
-          </a:graphicData>
-        </a:graphic>
-      </p:graphicFrame>
       <p:sp>
         <p:nvSpPr>
           <p:cNvPr id="8" name="Espace réservé du numéro de diapositive 7"/>
@@ -12216,6 +13451,58 @@
           </a:p>
         </p:txBody>
       </p:sp>
+      <p:pic>
+        <p:nvPicPr>
+          <p:cNvPr id="12" name="Image 11"/>
+          <p:cNvPicPr>
+            <a:picLocks noChangeAspect="1"/>
+          </p:cNvPicPr>
+          <p:nvPr/>
+        </p:nvPicPr>
+        <p:blipFill>
+          <a:blip r:embed="rId6">
+            <a:extLst>
+              <a:ext uri="{28A0092B-C50C-407E-A947-70E740481C1C}">
+                <a14:useLocalDpi xmlns:a14="http://schemas.microsoft.com/office/drawing/2010/main" val="0"/>
+              </a:ext>
+            </a:extLst>
+          </a:blip>
+          <a:stretch>
+            <a:fillRect/>
+          </a:stretch>
+        </p:blipFill>
+        <p:spPr>
+          <a:xfrm>
+            <a:off x="7739224" y="1978111"/>
+            <a:ext cx="1621638" cy="1621638"/>
+          </a:xfrm>
+          <a:prstGeom prst="rect">
+            <a:avLst/>
+          </a:prstGeom>
+        </p:spPr>
+      </p:pic>
+      <p:graphicFrame>
+        <p:nvGraphicFramePr>
+          <p:cNvPr id="13" name="Graphique 12"/>
+          <p:cNvGraphicFramePr/>
+          <p:nvPr>
+            <p:extLst>
+              <p:ext uri="{D42A27DB-BD31-4B8C-83A1-F6EECF244321}">
+                <p14:modId xmlns:p14="http://schemas.microsoft.com/office/powerpoint/2010/main" val="783580958"/>
+              </p:ext>
+            </p:extLst>
+          </p:nvPr>
+        </p:nvGraphicFramePr>
+        <p:xfrm>
+          <a:off x="6242265" y="3900553"/>
+          <a:ext cx="4615555" cy="1893197"/>
+        </p:xfrm>
+        <a:graphic>
+          <a:graphicData uri="http://schemas.openxmlformats.org/drawingml/2006/chart">
+            <c:chart xmlns:c="http://schemas.openxmlformats.org/drawingml/2006/chart" xmlns:r="http://schemas.openxmlformats.org/officeDocument/2006/relationships" r:id="rId7"/>
+          </a:graphicData>
+        </a:graphic>
+      </p:graphicFrame>
     </p:spTree>
     <p:extLst>
       <p:ext uri="{BB962C8B-B14F-4D97-AF65-F5344CB8AC3E}">
@@ -13202,30 +14489,6 @@
       </p:pic>
       <p:pic>
         <p:nvPicPr>
-          <p:cNvPr id="11" name="Image 10"/>
-          <p:cNvPicPr>
-            <a:picLocks noChangeAspect="1"/>
-          </p:cNvPicPr>
-          <p:nvPr/>
-        </p:nvPicPr>
-        <p:blipFill>
-          <a:blip r:embed="rId5"/>
-          <a:stretch>
-            <a:fillRect/>
-          </a:stretch>
-        </p:blipFill>
-        <p:spPr>
-          <a:xfrm>
-            <a:off x="8700800" y="2919204"/>
-            <a:ext cx="1233131" cy="1010946"/>
-          </a:xfrm>
-          <a:prstGeom prst="rect">
-            <a:avLst/>
-          </a:prstGeom>
-        </p:spPr>
-      </p:pic>
-      <p:pic>
-        <p:nvPicPr>
           <p:cNvPr id="5" name="Image 4"/>
           <p:cNvPicPr>
             <a:picLocks noChangeAspect="1"/>
@@ -13301,9 +14564,18 @@
           <a:lstStyle/>
           <a:p>
             <a:r>
-              <a:rPr lang="fr-CH" dirty="0"/>
-              <a:t>TODO</a:t>
-            </a:r>
+              <a:rPr lang="fr-CH" dirty="0" err="1" smtClean="0"/>
+              <a:t>Retroactive</a:t>
+            </a:r>
+            <a:r>
+              <a:rPr lang="fr-CH" dirty="0" smtClean="0"/>
+              <a:t> </a:t>
+            </a:r>
+            <a:r>
+              <a:rPr lang="fr-CH" dirty="0" err="1" smtClean="0"/>
+              <a:t>modeling</a:t>
+            </a:r>
+            <a:endParaRPr lang="fr-CH" dirty="0"/>
           </a:p>
         </p:txBody>
       </p:sp>
@@ -13330,34 +14602,192 @@
           </a:p>
         </p:txBody>
       </p:sp>
-      <p:pic>
-        <p:nvPicPr>
-          <p:cNvPr id="7" name="Image 6"/>
-          <p:cNvPicPr>
-            <a:picLocks noChangeAspect="1"/>
-          </p:cNvPicPr>
+      <p:sp>
+        <p:nvSpPr>
+          <p:cNvPr id="5" name="Rectangle 4"/>
+          <p:cNvSpPr/>
           <p:nvPr/>
-        </p:nvPicPr>
-        <p:blipFill>
-          <a:blip r:embed="rId2"/>
-          <a:stretch>
-            <a:fillRect/>
-          </a:stretch>
-        </p:blipFill>
+        </p:nvSpPr>
         <p:spPr>
           <a:xfrm>
-            <a:off x="4471987" y="2373291"/>
-            <a:ext cx="2633663" cy="2628364"/>
+            <a:off x="2454875" y="2761577"/>
+            <a:ext cx="7274011" cy="1938992"/>
           </a:xfrm>
           <a:prstGeom prst="rect">
             <a:avLst/>
           </a:prstGeom>
         </p:spPr>
-      </p:pic>
+        <p:txBody>
+          <a:bodyPr wrap="square">
+            <a:spAutoFit/>
+          </a:bodyPr>
+          <a:lstStyle/>
+          <a:p>
+            <a:r>
+              <a:rPr lang="en-US" sz="2000" dirty="0" smtClean="0">
+                <a:solidFill>
+                  <a:srgbClr val="ED0303"/>
+                </a:solidFill>
+                <a:latin typeface="Consolas" panose="020B0609020204030204" pitchFamily="49" charset="0"/>
+              </a:rPr>
+              <a:t>extension</a:t>
+            </a:r>
+            <a:r>
+              <a:rPr lang="en-US" sz="2000" dirty="0" smtClean="0">
+                <a:latin typeface="Consolas" panose="020B0609020204030204" pitchFamily="49" charset="0"/>
+              </a:rPr>
+              <a:t> </a:t>
+            </a:r>
+            <a:r>
+              <a:rPr lang="en-US" sz="2000" dirty="0" smtClean="0">
+                <a:solidFill>
+                  <a:srgbClr val="0033CC"/>
+                </a:solidFill>
+                <a:latin typeface="Consolas" panose="020B0609020204030204" pitchFamily="49" charset="0"/>
+              </a:rPr>
+              <a:t>Book</a:t>
+            </a:r>
+            <a:r>
+              <a:rPr lang="en-US" sz="2000" dirty="0" smtClean="0">
+                <a:latin typeface="Consolas" panose="020B0609020204030204" pitchFamily="49" charset="0"/>
+              </a:rPr>
+              <a:t>: </a:t>
+            </a:r>
+            <a:r>
+              <a:rPr lang="en-US" sz="2000" dirty="0" err="1" smtClean="0">
+                <a:solidFill>
+                  <a:srgbClr val="9954CC"/>
+                </a:solidFill>
+                <a:latin typeface="Consolas" panose="020B0609020204030204" pitchFamily="49" charset="0"/>
+              </a:rPr>
+              <a:t>CustomStringConvertible</a:t>
+            </a:r>
+            <a:r>
+              <a:rPr lang="en-US" sz="2000" dirty="0" smtClean="0">
+                <a:solidFill>
+                  <a:srgbClr val="9954CC"/>
+                </a:solidFill>
+                <a:latin typeface="Consolas" panose="020B0609020204030204" pitchFamily="49" charset="0"/>
+              </a:rPr>
+              <a:t> </a:t>
+            </a:r>
+            <a:r>
+              <a:rPr lang="en-US" sz="2000" dirty="0" smtClean="0">
+                <a:latin typeface="Consolas" panose="020B0609020204030204" pitchFamily="49" charset="0"/>
+              </a:rPr>
+              <a:t>{</a:t>
+            </a:r>
+          </a:p>
+          <a:p>
+            <a:r>
+              <a:rPr lang="en-US" sz="2000" dirty="0" smtClean="0">
+                <a:latin typeface="Consolas" panose="020B0609020204030204" pitchFamily="49" charset="0"/>
+              </a:rPr>
+              <a:t>    </a:t>
+            </a:r>
+            <a:r>
+              <a:rPr lang="en-US" sz="2000" dirty="0" err="1" smtClean="0">
+                <a:solidFill>
+                  <a:srgbClr val="ED0303"/>
+                </a:solidFill>
+                <a:latin typeface="Consolas" panose="020B0609020204030204" pitchFamily="49" charset="0"/>
+              </a:rPr>
+              <a:t>var</a:t>
+            </a:r>
+            <a:r>
+              <a:rPr lang="en-US" sz="2000" dirty="0" smtClean="0">
+                <a:latin typeface="Consolas" panose="020B0609020204030204" pitchFamily="49" charset="0"/>
+              </a:rPr>
+              <a:t> </a:t>
+            </a:r>
+            <a:r>
+              <a:rPr lang="en-US" sz="2000" dirty="0" err="1" smtClean="0">
+                <a:latin typeface="Consolas" panose="020B0609020204030204" pitchFamily="49" charset="0"/>
+              </a:rPr>
+              <a:t>textDescription</a:t>
+            </a:r>
+            <a:r>
+              <a:rPr lang="en-US" sz="2000" dirty="0" smtClean="0">
+                <a:latin typeface="Consolas" panose="020B0609020204030204" pitchFamily="49" charset="0"/>
+              </a:rPr>
+              <a:t>: </a:t>
+            </a:r>
+            <a:r>
+              <a:rPr lang="en-US" sz="2000" dirty="0">
+                <a:solidFill>
+                  <a:srgbClr val="0033CC"/>
+                </a:solidFill>
+                <a:latin typeface="Consolas" panose="020B0609020204030204" pitchFamily="49" charset="0"/>
+              </a:rPr>
+              <a:t>String</a:t>
+            </a:r>
+            <a:r>
+              <a:rPr lang="en-US" sz="2000" dirty="0" smtClean="0">
+                <a:latin typeface="Consolas" panose="020B0609020204030204" pitchFamily="49" charset="0"/>
+              </a:rPr>
+              <a:t> {</a:t>
+            </a:r>
+          </a:p>
+          <a:p>
+            <a:r>
+              <a:rPr lang="en-US" sz="2000" dirty="0" smtClean="0">
+                <a:latin typeface="Consolas" panose="020B0609020204030204" pitchFamily="49" charset="0"/>
+              </a:rPr>
+              <a:t>		</a:t>
+            </a:r>
+            <a:r>
+              <a:rPr lang="en-US" sz="2000" dirty="0" smtClean="0">
+                <a:solidFill>
+                  <a:srgbClr val="ED0303"/>
+                </a:solidFill>
+                <a:latin typeface="Consolas" panose="020B0609020204030204" pitchFamily="49" charset="0"/>
+              </a:rPr>
+              <a:t>return</a:t>
+            </a:r>
+            <a:r>
+              <a:rPr lang="en-US" sz="2000" dirty="0">
+                <a:latin typeface="Consolas" panose="020B0609020204030204" pitchFamily="49" charset="0"/>
+              </a:rPr>
+              <a:t> </a:t>
+            </a:r>
+            <a:r>
+              <a:rPr lang="fr-CH" sz="2000" dirty="0" err="1" smtClean="0"/>
+              <a:t>title</a:t>
+            </a:r>
+            <a:endParaRPr lang="en-US" sz="2000" dirty="0">
+              <a:latin typeface="Consolas" panose="020B0609020204030204" pitchFamily="49" charset="0"/>
+            </a:endParaRPr>
+          </a:p>
+          <a:p>
+            <a:r>
+              <a:rPr lang="en-US" sz="2000" dirty="0" smtClean="0">
+                <a:latin typeface="Consolas" panose="020B0609020204030204" pitchFamily="49" charset="0"/>
+              </a:rPr>
+              <a:t>	}</a:t>
+            </a:r>
+            <a:endParaRPr lang="fr-CH" sz="2000" dirty="0" smtClean="0">
+              <a:latin typeface="Consolas" panose="020B0609020204030204" pitchFamily="49" charset="0"/>
+            </a:endParaRPr>
+          </a:p>
+          <a:p>
+            <a:r>
+              <a:rPr lang="fr-CH" sz="2000" dirty="0" smtClean="0">
+                <a:latin typeface="Consolas" panose="020B0609020204030204" pitchFamily="49" charset="0"/>
+              </a:rPr>
+              <a:t>}</a:t>
+            </a:r>
+          </a:p>
+          <a:p>
+            <a:endParaRPr lang="fr-CH" sz="2000" dirty="0">
+              <a:latin typeface="Consolas" panose="020B0609020204030204" pitchFamily="49" charset="0"/>
+            </a:endParaRPr>
+          </a:p>
+        </p:txBody>
+      </p:sp>
     </p:spTree>
     <p:extLst>
       <p:ext uri="{BB962C8B-B14F-4D97-AF65-F5344CB8AC3E}">
-        <p14:creationId xmlns:p14="http://schemas.microsoft.com/office/powerpoint/2010/main" val="3701556897"/>
+        <p14:creationId xmlns:p14="http://schemas.microsoft.com/office/powerpoint/2010/main" val="3634768526"/>
       </p:ext>
     </p:extLst>
   </p:cSld>
@@ -13407,104 +14837,18 @@
           <a:lstStyle/>
           <a:p>
             <a:r>
+              <a:rPr lang="fr-CH" dirty="0" err="1" smtClean="0"/>
+              <a:t>Bounded</a:t>
+            </a:r>
+            <a:r>
               <a:rPr lang="fr-CH" dirty="0" smtClean="0"/>
-              <a:t>TODO</a:t>
+              <a:t> </a:t>
+            </a:r>
+            <a:r>
+              <a:rPr lang="fr-CH" dirty="0" err="1" smtClean="0"/>
+              <a:t>polymorphism</a:t>
             </a:r>
             <a:endParaRPr lang="fr-CH" dirty="0"/>
-          </a:p>
-        </p:txBody>
-      </p:sp>
-      <p:sp>
-        <p:nvSpPr>
-          <p:cNvPr id="3" name="Espace réservé du contenu 2"/>
-          <p:cNvSpPr>
-            <a:spLocks noGrp="1"/>
-          </p:cNvSpPr>
-          <p:nvPr>
-            <p:ph idx="1"/>
-          </p:nvPr>
-        </p:nvSpPr>
-        <p:spPr>
-          <a:xfrm>
-            <a:off x="1693269" y="2848363"/>
-            <a:ext cx="2637366" cy="1951841"/>
-          </a:xfrm>
-        </p:spPr>
-        <p:txBody>
-          <a:bodyPr/>
-          <a:lstStyle/>
-          <a:p>
-            <a:r>
-              <a:rPr lang="fr-CH" sz="1600" dirty="0" err="1" smtClean="0"/>
-              <a:t>Optional</a:t>
-            </a:r>
-            <a:r>
-              <a:rPr lang="fr-CH" sz="1600" dirty="0" smtClean="0"/>
-              <a:t> </a:t>
-            </a:r>
-            <a:r>
-              <a:rPr lang="fr-CH" sz="1600" dirty="0" err="1" smtClean="0"/>
-              <a:t>chaining</a:t>
-            </a:r>
-            <a:endParaRPr lang="fr-CH" sz="1600" dirty="0" smtClean="0"/>
-          </a:p>
-          <a:p>
-            <a:r>
-              <a:rPr lang="fr-CH" sz="1600" dirty="0" smtClean="0"/>
-              <a:t>Protocole, extension</a:t>
-            </a:r>
-          </a:p>
-          <a:p>
-            <a:r>
-              <a:rPr lang="fr-CH" sz="1600" dirty="0" smtClean="0"/>
-              <a:t>Protocole </a:t>
-            </a:r>
-            <a:r>
-              <a:rPr lang="fr-CH" sz="1600" dirty="0" err="1" smtClean="0"/>
-              <a:t>with</a:t>
-            </a:r>
-            <a:r>
-              <a:rPr lang="fr-CH" sz="1600" dirty="0" smtClean="0"/>
-              <a:t> </a:t>
-            </a:r>
-            <a:r>
-              <a:rPr lang="fr-CH" sz="1600" dirty="0" err="1" smtClean="0"/>
-              <a:t>bounded</a:t>
-            </a:r>
-            <a:r>
-              <a:rPr lang="fr-CH" sz="1600" dirty="0" smtClean="0"/>
-              <a:t> </a:t>
-            </a:r>
-            <a:r>
-              <a:rPr lang="fr-CH" sz="1600" dirty="0" err="1" smtClean="0"/>
-              <a:t>generic</a:t>
-            </a:r>
-            <a:r>
-              <a:rPr lang="fr-CH" sz="1600" dirty="0" smtClean="0"/>
-              <a:t> types</a:t>
-            </a:r>
-          </a:p>
-          <a:p>
-            <a:r>
-              <a:rPr lang="fr-CH" sz="1600" dirty="0" err="1" smtClean="0"/>
-              <a:t>Retroactive</a:t>
-            </a:r>
-            <a:r>
-              <a:rPr lang="fr-CH" sz="1600" dirty="0" smtClean="0"/>
-              <a:t> </a:t>
-            </a:r>
-            <a:r>
-              <a:rPr lang="fr-CH" sz="1600" dirty="0" err="1" smtClean="0"/>
-              <a:t>modeling</a:t>
-            </a:r>
-            <a:endParaRPr lang="fr-CH" sz="1600" dirty="0" smtClean="0"/>
-          </a:p>
-          <a:p>
-            <a:r>
-              <a:rPr lang="fr-CH" sz="1600" dirty="0" smtClean="0"/>
-              <a:t>…</a:t>
-            </a:r>
-            <a:endParaRPr lang="fr-CH" sz="1600" dirty="0"/>
           </a:p>
         </p:txBody>
       </p:sp>
@@ -13531,222 +14875,384 @@
           </a:p>
         </p:txBody>
       </p:sp>
-      <p:pic>
-        <p:nvPicPr>
-          <p:cNvPr id="2050" name="Picture 2" descr="https://worldhatchlearning.files.wordpress.com/2017/06/1600.png"/>
-          <p:cNvPicPr>
-            <a:picLocks noChangeAspect="1" noChangeArrowheads="1"/>
-          </p:cNvPicPr>
+      <p:sp>
+        <p:nvSpPr>
+          <p:cNvPr id="5" name="Rectangle 4"/>
+          <p:cNvSpPr/>
           <p:nvPr/>
-        </p:nvPicPr>
-        <p:blipFill>
-          <a:blip r:embed="rId2">
-            <a:extLst>
-              <a:ext uri="{28A0092B-C50C-407E-A947-70E740481C1C}">
-                <a14:useLocalDpi xmlns:a14="http://schemas.microsoft.com/office/drawing/2010/main" val="0"/>
-              </a:ext>
-            </a:extLst>
-          </a:blip>
-          <a:srcRect/>
-          <a:stretch>
-            <a:fillRect/>
-          </a:stretch>
-        </p:blipFill>
-        <p:spPr bwMode="auto">
+        </p:nvSpPr>
+        <p:spPr>
           <a:xfrm>
-            <a:off x="5294182" y="2699189"/>
-            <a:ext cx="1125095" cy="1125095"/>
+            <a:off x="2448469" y="2739556"/>
+            <a:ext cx="7922968" cy="2554545"/>
           </a:xfrm>
           <a:prstGeom prst="rect">
             <a:avLst/>
           </a:prstGeom>
-          <a:noFill/>
-          <a:extLst>
-            <a:ext uri="{909E8E84-426E-40DD-AFC4-6F175D3DCCD1}">
-              <a14:hiddenFill xmlns:a14="http://schemas.microsoft.com/office/drawing/2010/main">
-                <a:solidFill>
-                  <a:srgbClr val="FFFFFF"/>
-                </a:solidFill>
-              </a14:hiddenFill>
-            </a:ext>
-          </a:extLst>
         </p:spPr>
-      </p:pic>
-      <p:pic>
-        <p:nvPicPr>
-          <p:cNvPr id="6" name="Picture 8" descr="https://miro.medium.com/max/261/0*ykaApIklGcJ7Qzhw"/>
-          <p:cNvPicPr>
-            <a:picLocks noChangeAspect="1" noChangeArrowheads="1"/>
-          </p:cNvPicPr>
-          <p:nvPr/>
-        </p:nvPicPr>
-        <p:blipFill>
-          <a:blip r:embed="rId3">
-            <a:extLst>
-              <a:ext uri="{28A0092B-C50C-407E-A947-70E740481C1C}">
-                <a14:useLocalDpi xmlns:a14="http://schemas.microsoft.com/office/drawing/2010/main" val="0"/>
-              </a:ext>
-            </a:extLst>
-          </a:blip>
-          <a:srcRect/>
-          <a:stretch>
-            <a:fillRect/>
-          </a:stretch>
-        </p:blipFill>
-        <p:spPr bwMode="auto">
-          <a:xfrm>
-            <a:off x="7715627" y="2676520"/>
-            <a:ext cx="2486025" cy="2295526"/>
-          </a:xfrm>
-          <a:prstGeom prst="rect">
-            <a:avLst/>
-          </a:prstGeom>
-          <a:noFill/>
-          <a:extLst>
-            <a:ext uri="{909E8E84-426E-40DD-AFC4-6F175D3DCCD1}">
-              <a14:hiddenFill xmlns:a14="http://schemas.microsoft.com/office/drawing/2010/main">
-                <a:solidFill>
-                  <a:srgbClr val="FFFFFF"/>
-                </a:solidFill>
-              </a14:hiddenFill>
-            </a:ext>
-          </a:extLst>
-        </p:spPr>
-      </p:pic>
-      <p:sp>
-        <p:nvSpPr>
-          <p:cNvPr id="5" name="Flèche droite 4"/>
-          <p:cNvSpPr/>
-          <p:nvPr/>
-        </p:nvSpPr>
-        <p:spPr>
-          <a:xfrm>
-            <a:off x="4961380" y="3824284"/>
-            <a:ext cx="1790700" cy="276225"/>
-          </a:xfrm>
-          <a:prstGeom prst="rightArrow">
-            <a:avLst/>
-          </a:prstGeom>
-        </p:spPr>
-        <p:style>
-          <a:lnRef idx="2">
-            <a:schemeClr val="accent1">
-              <a:shade val="50000"/>
-            </a:schemeClr>
-          </a:lnRef>
-          <a:fillRef idx="1">
-            <a:schemeClr val="accent1"/>
-          </a:fillRef>
-          <a:effectRef idx="0">
-            <a:schemeClr val="accent1"/>
-          </a:effectRef>
-          <a:fontRef idx="minor">
-            <a:schemeClr val="lt1"/>
-          </a:fontRef>
-        </p:style>
-        <p:txBody>
-          <a:bodyPr rtlCol="0" anchor="ctr"/>
-          <a:lstStyle/>
-          <a:p>
-            <a:pPr algn="ctr"/>
-            <a:endParaRPr lang="fr-CH"/>
-          </a:p>
-        </p:txBody>
-      </p:sp>
-      <p:sp>
-        <p:nvSpPr>
-          <p:cNvPr id="7" name="ZoneTexte 6"/>
-          <p:cNvSpPr txBox="1"/>
-          <p:nvPr/>
-        </p:nvSpPr>
-        <p:spPr>
-          <a:xfrm rot="646056">
-            <a:off x="5896974" y="2360184"/>
-            <a:ext cx="327334" cy="461665"/>
-          </a:xfrm>
-          <a:prstGeom prst="rect">
-            <a:avLst/>
-          </a:prstGeom>
-          <a:noFill/>
-        </p:spPr>
-        <p:txBody>
-          <a:bodyPr wrap="none" rtlCol="0">
+        <p:txBody>
+          <a:bodyPr wrap="square">
             <a:spAutoFit/>
           </a:bodyPr>
           <a:lstStyle/>
           <a:p>
             <a:r>
-              <a:rPr lang="fr-CH" sz="2400" dirty="0" smtClean="0"/>
-              <a:t>?</a:t>
-            </a:r>
-            <a:endParaRPr lang="fr-CH" sz="2400" dirty="0"/>
-          </a:p>
-        </p:txBody>
-      </p:sp>
-      <p:sp>
-        <p:nvSpPr>
-          <p:cNvPr id="9" name="ZoneTexte 8"/>
-          <p:cNvSpPr txBox="1"/>
-          <p:nvPr/>
-        </p:nvSpPr>
-        <p:spPr>
-          <a:xfrm rot="20574016">
-            <a:off x="5393424" y="2348856"/>
-            <a:ext cx="327334" cy="461665"/>
-          </a:xfrm>
-          <a:prstGeom prst="rect">
-            <a:avLst/>
-          </a:prstGeom>
-          <a:noFill/>
-        </p:spPr>
-        <p:txBody>
-          <a:bodyPr wrap="none" rtlCol="0">
-            <a:spAutoFit/>
-          </a:bodyPr>
-          <a:lstStyle/>
-          <a:p>
-            <a:r>
-              <a:rPr lang="fr-CH" sz="2400" dirty="0" smtClean="0"/>
-              <a:t>?</a:t>
-            </a:r>
-            <a:endParaRPr lang="fr-CH" sz="2400" dirty="0"/>
-          </a:p>
-        </p:txBody>
-      </p:sp>
-      <p:sp>
-        <p:nvSpPr>
-          <p:cNvPr id="10" name="ZoneTexte 9"/>
-          <p:cNvSpPr txBox="1"/>
-          <p:nvPr/>
-        </p:nvSpPr>
-        <p:spPr>
-          <a:xfrm>
-            <a:off x="5657992" y="2291429"/>
-            <a:ext cx="327334" cy="461665"/>
-          </a:xfrm>
-          <a:prstGeom prst="rect">
-            <a:avLst/>
-          </a:prstGeom>
-          <a:noFill/>
-        </p:spPr>
-        <p:txBody>
-          <a:bodyPr wrap="none" rtlCol="0">
-            <a:spAutoFit/>
-          </a:bodyPr>
-          <a:lstStyle/>
-          <a:p>
-            <a:r>
-              <a:rPr lang="fr-CH" sz="2400" dirty="0" smtClean="0"/>
-              <a:t>?</a:t>
-            </a:r>
-            <a:endParaRPr lang="fr-CH" sz="2400" dirty="0"/>
+              <a:rPr lang="fr-CH" sz="2000" dirty="0" smtClean="0">
+                <a:solidFill>
+                  <a:srgbClr val="ED0303"/>
+                </a:solidFill>
+                <a:latin typeface="Consolas" panose="020B0609020204030204" pitchFamily="49" charset="0"/>
+              </a:rPr>
+              <a:t>extension</a:t>
+            </a:r>
+            <a:r>
+              <a:rPr lang="fr-CH" sz="2000" dirty="0" smtClean="0">
+                <a:latin typeface="Consolas" panose="020B0609020204030204" pitchFamily="49" charset="0"/>
+              </a:rPr>
+              <a:t> </a:t>
+            </a:r>
+            <a:r>
+              <a:rPr lang="fr-CH" sz="2000" dirty="0" err="1">
+                <a:solidFill>
+                  <a:srgbClr val="0033CC"/>
+                </a:solidFill>
+                <a:latin typeface="Consolas" panose="020B0609020204030204" pitchFamily="49" charset="0"/>
+              </a:rPr>
+              <a:t>Array</a:t>
+            </a:r>
+            <a:r>
+              <a:rPr lang="fr-CH" sz="2000" dirty="0">
+                <a:latin typeface="Consolas" panose="020B0609020204030204" pitchFamily="49" charset="0"/>
+              </a:rPr>
+              <a:t> </a:t>
+            </a:r>
+            <a:r>
+              <a:rPr lang="fr-CH" sz="2000" dirty="0" err="1">
+                <a:solidFill>
+                  <a:srgbClr val="ED0303"/>
+                </a:solidFill>
+                <a:latin typeface="Consolas" panose="020B0609020204030204" pitchFamily="49" charset="0"/>
+              </a:rPr>
+              <a:t>where</a:t>
+            </a:r>
+            <a:r>
+              <a:rPr lang="fr-CH" sz="2000" dirty="0">
+                <a:latin typeface="Consolas" panose="020B0609020204030204" pitchFamily="49" charset="0"/>
+              </a:rPr>
+              <a:t> </a:t>
+            </a:r>
+            <a:r>
+              <a:rPr lang="fr-CH" sz="2000" dirty="0" err="1" smtClean="0">
+                <a:solidFill>
+                  <a:srgbClr val="0033CC"/>
+                </a:solidFill>
+                <a:latin typeface="Consolas" panose="020B0609020204030204" pitchFamily="49" charset="0"/>
+              </a:rPr>
+              <a:t>Element</a:t>
+            </a:r>
+            <a:r>
+              <a:rPr lang="fr-CH" sz="2000" dirty="0" smtClean="0">
+                <a:latin typeface="Consolas" panose="020B0609020204030204" pitchFamily="49" charset="0"/>
+              </a:rPr>
+              <a:t>: </a:t>
+            </a:r>
+            <a:r>
+              <a:rPr lang="fr-CH" sz="2000" dirty="0" err="1">
+                <a:solidFill>
+                  <a:srgbClr val="9954CC"/>
+                </a:solidFill>
+                <a:latin typeface="Consolas" panose="020B0609020204030204" pitchFamily="49" charset="0"/>
+              </a:rPr>
+              <a:t>Fullynamed</a:t>
+            </a:r>
+            <a:r>
+              <a:rPr lang="fr-CH" sz="2000" dirty="0">
+                <a:latin typeface="Consolas" panose="020B0609020204030204" pitchFamily="49" charset="0"/>
+              </a:rPr>
+              <a:t> </a:t>
+            </a:r>
+            <a:r>
+              <a:rPr lang="fr-CH" sz="2000" dirty="0" smtClean="0">
+                <a:latin typeface="Consolas" panose="020B0609020204030204" pitchFamily="49" charset="0"/>
+              </a:rPr>
+              <a:t>{</a:t>
+            </a:r>
+            <a:endParaRPr lang="fr-CH" sz="2000" dirty="0">
+              <a:solidFill>
+                <a:srgbClr val="ED0303"/>
+              </a:solidFill>
+              <a:latin typeface="Consolas" panose="020B0609020204030204" pitchFamily="49" charset="0"/>
+            </a:endParaRPr>
+          </a:p>
+          <a:p>
+            <a:r>
+              <a:rPr lang="fr-CH" sz="2000" dirty="0">
+                <a:latin typeface="Consolas" panose="020B0609020204030204" pitchFamily="49" charset="0"/>
+              </a:rPr>
+              <a:t>    </a:t>
+            </a:r>
+            <a:r>
+              <a:rPr lang="fr-CH" sz="2000" dirty="0" err="1">
+                <a:solidFill>
+                  <a:srgbClr val="ED0303"/>
+                </a:solidFill>
+                <a:latin typeface="Consolas" panose="020B0609020204030204" pitchFamily="49" charset="0"/>
+              </a:rPr>
+              <a:t>func</a:t>
+            </a:r>
+            <a:r>
+              <a:rPr lang="fr-CH" sz="2000" dirty="0">
+                <a:latin typeface="Consolas" panose="020B0609020204030204" pitchFamily="49" charset="0"/>
+              </a:rPr>
+              <a:t> </a:t>
+            </a:r>
+            <a:r>
+              <a:rPr lang="fr-CH" sz="2000" dirty="0" err="1" smtClean="0">
+                <a:solidFill>
+                  <a:srgbClr val="9954CC"/>
+                </a:solidFill>
+                <a:latin typeface="Consolas" panose="020B0609020204030204" pitchFamily="49" charset="0"/>
+              </a:rPr>
+              <a:t>filterWithname</a:t>
+            </a:r>
+            <a:r>
+              <a:rPr lang="fr-CH" sz="2000" dirty="0" smtClean="0">
+                <a:latin typeface="Consolas" panose="020B0609020204030204" pitchFamily="49" charset="0"/>
+              </a:rPr>
+              <a:t>(</a:t>
+            </a:r>
+            <a:r>
+              <a:rPr lang="fr-CH" sz="2000" dirty="0" err="1" smtClean="0">
+                <a:solidFill>
+                  <a:srgbClr val="9954CC"/>
+                </a:solidFill>
+                <a:latin typeface="Consolas" panose="020B0609020204030204" pitchFamily="49" charset="0"/>
+              </a:rPr>
+              <a:t>name</a:t>
+            </a:r>
+            <a:r>
+              <a:rPr lang="fr-CH" sz="2000" dirty="0" smtClean="0">
+                <a:latin typeface="Consolas" panose="020B0609020204030204" pitchFamily="49" charset="0"/>
+              </a:rPr>
+              <a:t>: </a:t>
+            </a:r>
+            <a:r>
+              <a:rPr lang="fr-CH" sz="2000" dirty="0">
+                <a:solidFill>
+                  <a:srgbClr val="0033CC"/>
+                </a:solidFill>
+                <a:latin typeface="Consolas" panose="020B0609020204030204" pitchFamily="49" charset="0"/>
+              </a:rPr>
+              <a:t>String</a:t>
+            </a:r>
+            <a:r>
+              <a:rPr lang="fr-CH" sz="2000" dirty="0">
+                <a:latin typeface="Consolas" panose="020B0609020204030204" pitchFamily="49" charset="0"/>
+              </a:rPr>
+              <a:t>) </a:t>
+            </a:r>
+            <a:r>
+              <a:rPr lang="fr-CH" sz="2000" dirty="0">
+                <a:solidFill>
+                  <a:srgbClr val="ED0303"/>
+                </a:solidFill>
+                <a:latin typeface="Consolas" panose="020B0609020204030204" pitchFamily="49" charset="0"/>
+              </a:rPr>
+              <a:t>-&gt;</a:t>
+            </a:r>
+            <a:r>
+              <a:rPr lang="fr-CH" sz="2000" dirty="0">
+                <a:latin typeface="Consolas" panose="020B0609020204030204" pitchFamily="49" charset="0"/>
+              </a:rPr>
+              <a:t> [</a:t>
+            </a:r>
+            <a:r>
+              <a:rPr lang="fr-CH" sz="2000" dirty="0" err="1">
+                <a:solidFill>
+                  <a:srgbClr val="0033CC"/>
+                </a:solidFill>
+                <a:latin typeface="Consolas" panose="020B0609020204030204" pitchFamily="49" charset="0"/>
+              </a:rPr>
+              <a:t>Element</a:t>
+            </a:r>
+            <a:r>
+              <a:rPr lang="fr-CH" sz="2000" dirty="0">
+                <a:latin typeface="Consolas" panose="020B0609020204030204" pitchFamily="49" charset="0"/>
+              </a:rPr>
+              <a:t>] {</a:t>
+            </a:r>
+          </a:p>
+          <a:p>
+            <a:r>
+              <a:rPr lang="fr-CH" sz="2000" dirty="0">
+                <a:latin typeface="Consolas" panose="020B0609020204030204" pitchFamily="49" charset="0"/>
+              </a:rPr>
+              <a:t>        </a:t>
+            </a:r>
+            <a:r>
+              <a:rPr lang="fr-CH" sz="2000" dirty="0">
+                <a:solidFill>
+                  <a:srgbClr val="ED0303"/>
+                </a:solidFill>
+                <a:latin typeface="Consolas" panose="020B0609020204030204" pitchFamily="49" charset="0"/>
+              </a:rPr>
+              <a:t>return</a:t>
+            </a:r>
+            <a:r>
+              <a:rPr lang="fr-CH" sz="2000" dirty="0">
+                <a:latin typeface="Consolas" panose="020B0609020204030204" pitchFamily="49" charset="0"/>
+              </a:rPr>
+              <a:t> </a:t>
+            </a:r>
+            <a:r>
+              <a:rPr lang="fr-CH" sz="2000" dirty="0" err="1">
+                <a:solidFill>
+                  <a:srgbClr val="0033CC"/>
+                </a:solidFill>
+                <a:latin typeface="Consolas" panose="020B0609020204030204" pitchFamily="49" charset="0"/>
+              </a:rPr>
+              <a:t>self.filter</a:t>
+            </a:r>
+            <a:r>
+              <a:rPr lang="fr-CH" sz="2000" dirty="0">
+                <a:latin typeface="Consolas" panose="020B0609020204030204" pitchFamily="49" charset="0"/>
+              </a:rPr>
+              <a:t> { (item) </a:t>
+            </a:r>
+            <a:r>
+              <a:rPr lang="fr-CH" sz="2000" dirty="0">
+                <a:solidFill>
+                  <a:srgbClr val="ED0303"/>
+                </a:solidFill>
+                <a:latin typeface="Consolas" panose="020B0609020204030204" pitchFamily="49" charset="0"/>
+              </a:rPr>
+              <a:t>-&gt;</a:t>
+            </a:r>
+            <a:r>
+              <a:rPr lang="fr-CH" sz="2000" dirty="0">
+                <a:latin typeface="Consolas" panose="020B0609020204030204" pitchFamily="49" charset="0"/>
+              </a:rPr>
+              <a:t> </a:t>
+            </a:r>
+            <a:r>
+              <a:rPr lang="fr-CH" sz="2000" dirty="0" err="1">
+                <a:solidFill>
+                  <a:srgbClr val="0033CC"/>
+                </a:solidFill>
+                <a:latin typeface="Consolas" panose="020B0609020204030204" pitchFamily="49" charset="0"/>
+              </a:rPr>
+              <a:t>Bool</a:t>
+            </a:r>
+            <a:r>
+              <a:rPr lang="fr-CH" sz="2000" dirty="0">
+                <a:latin typeface="Consolas" panose="020B0609020204030204" pitchFamily="49" charset="0"/>
+              </a:rPr>
+              <a:t> </a:t>
+            </a:r>
+            <a:r>
+              <a:rPr lang="fr-CH" sz="2000" dirty="0">
+                <a:solidFill>
+                  <a:srgbClr val="ED0303"/>
+                </a:solidFill>
+                <a:latin typeface="Consolas" panose="020B0609020204030204" pitchFamily="49" charset="0"/>
+              </a:rPr>
+              <a:t>in</a:t>
+            </a:r>
+          </a:p>
+          <a:p>
+            <a:r>
+              <a:rPr lang="fr-CH" sz="2000" dirty="0">
+                <a:latin typeface="Consolas" panose="020B0609020204030204" pitchFamily="49" charset="0"/>
+              </a:rPr>
+              <a:t>            </a:t>
+            </a:r>
+            <a:r>
+              <a:rPr lang="fr-CH" sz="2000" dirty="0">
+                <a:solidFill>
+                  <a:srgbClr val="ED0303"/>
+                </a:solidFill>
+                <a:latin typeface="Consolas" panose="020B0609020204030204" pitchFamily="49" charset="0"/>
+              </a:rPr>
+              <a:t>return</a:t>
+            </a:r>
+            <a:r>
+              <a:rPr lang="fr-CH" sz="2000" dirty="0">
+                <a:latin typeface="Consolas" panose="020B0609020204030204" pitchFamily="49" charset="0"/>
+              </a:rPr>
+              <a:t> </a:t>
+            </a:r>
+            <a:r>
+              <a:rPr lang="fr-CH" sz="2000" dirty="0" err="1">
+                <a:latin typeface="Consolas" panose="020B0609020204030204" pitchFamily="49" charset="0"/>
+              </a:rPr>
+              <a:t>item.fullname</a:t>
+            </a:r>
+            <a:r>
+              <a:rPr lang="fr-CH" sz="2000" dirty="0">
+                <a:latin typeface="Consolas" panose="020B0609020204030204" pitchFamily="49" charset="0"/>
+              </a:rPr>
+              <a:t> </a:t>
+            </a:r>
+            <a:r>
+              <a:rPr lang="fr-CH" sz="2000" dirty="0">
+                <a:solidFill>
+                  <a:srgbClr val="ED0303"/>
+                </a:solidFill>
+                <a:latin typeface="Consolas" panose="020B0609020204030204" pitchFamily="49" charset="0"/>
+              </a:rPr>
+              <a:t>==</a:t>
+            </a:r>
+            <a:r>
+              <a:rPr lang="fr-CH" sz="2000" dirty="0">
+                <a:latin typeface="Consolas" panose="020B0609020204030204" pitchFamily="49" charset="0"/>
+              </a:rPr>
+              <a:t> </a:t>
+            </a:r>
+            <a:r>
+              <a:rPr lang="fr-CH" sz="2000" dirty="0" err="1">
+                <a:latin typeface="Consolas" panose="020B0609020204030204" pitchFamily="49" charset="0"/>
+              </a:rPr>
+              <a:t>name</a:t>
+            </a:r>
+            <a:endParaRPr lang="fr-CH" sz="2000" dirty="0">
+              <a:latin typeface="Consolas" panose="020B0609020204030204" pitchFamily="49" charset="0"/>
+            </a:endParaRPr>
+          </a:p>
+          <a:p>
+            <a:r>
+              <a:rPr lang="fr-CH" sz="2000" dirty="0">
+                <a:latin typeface="Consolas" panose="020B0609020204030204" pitchFamily="49" charset="0"/>
+              </a:rPr>
+              <a:t>        }</a:t>
+            </a:r>
+          </a:p>
+          <a:p>
+            <a:r>
+              <a:rPr lang="fr-CH" sz="2000" dirty="0">
+                <a:latin typeface="Consolas" panose="020B0609020204030204" pitchFamily="49" charset="0"/>
+              </a:rPr>
+              <a:t>    }</a:t>
+            </a:r>
+          </a:p>
+          <a:p>
+            <a:r>
+              <a:rPr lang="fr-CH" sz="2000" dirty="0">
+                <a:latin typeface="Consolas" panose="020B0609020204030204" pitchFamily="49" charset="0"/>
+              </a:rPr>
+              <a:t>}</a:t>
+            </a:r>
+          </a:p>
+          <a:p>
+            <a:endParaRPr lang="fr-CH" sz="2000" dirty="0">
+              <a:latin typeface="Consolas" panose="020B0609020204030204" pitchFamily="49" charset="0"/>
+            </a:endParaRPr>
           </a:p>
         </p:txBody>
       </p:sp>
     </p:spTree>
     <p:extLst>
       <p:ext uri="{BB962C8B-B14F-4D97-AF65-F5344CB8AC3E}">
-        <p14:creationId xmlns:p14="http://schemas.microsoft.com/office/powerpoint/2010/main" val="54730124"/>
+        <p14:creationId xmlns:p14="http://schemas.microsoft.com/office/powerpoint/2010/main" val="650304281"/>
       </p:ext>
     </p:extLst>
   </p:cSld>
